--- a/Notes and Slides/CIS399wk1Day5-Debugging.pptx
+++ b/Notes and Slides/CIS399wk1Day5-Debugging.pptx
@@ -5,31 +5,30 @@
     <p:sldMasterId id="2147483669" r:id="rId1"/>
   </p:sldMasterIdLst>
   <p:notesMasterIdLst>
-    <p:notesMasterId r:id="rId21"/>
+    <p:notesMasterId r:id="rId20"/>
   </p:notesMasterIdLst>
   <p:handoutMasterIdLst>
-    <p:handoutMasterId r:id="rId22"/>
+    <p:handoutMasterId r:id="rId21"/>
   </p:handoutMasterIdLst>
   <p:sldIdLst>
     <p:sldId id="362" r:id="rId2"/>
     <p:sldId id="363" r:id="rId3"/>
     <p:sldId id="364" r:id="rId4"/>
     <p:sldId id="365" r:id="rId5"/>
-    <p:sldId id="385" r:id="rId6"/>
-    <p:sldId id="366" r:id="rId7"/>
-    <p:sldId id="367" r:id="rId8"/>
-    <p:sldId id="368" r:id="rId9"/>
-    <p:sldId id="386" r:id="rId10"/>
-    <p:sldId id="369" r:id="rId11"/>
-    <p:sldId id="370" r:id="rId12"/>
-    <p:sldId id="371" r:id="rId13"/>
-    <p:sldId id="373" r:id="rId14"/>
-    <p:sldId id="374" r:id="rId15"/>
-    <p:sldId id="375" r:id="rId16"/>
-    <p:sldId id="376" r:id="rId17"/>
-    <p:sldId id="377" r:id="rId18"/>
-    <p:sldId id="378" r:id="rId19"/>
-    <p:sldId id="379" r:id="rId20"/>
+    <p:sldId id="366" r:id="rId6"/>
+    <p:sldId id="367" r:id="rId7"/>
+    <p:sldId id="368" r:id="rId8"/>
+    <p:sldId id="386" r:id="rId9"/>
+    <p:sldId id="369" r:id="rId10"/>
+    <p:sldId id="370" r:id="rId11"/>
+    <p:sldId id="371" r:id="rId12"/>
+    <p:sldId id="373" r:id="rId13"/>
+    <p:sldId id="374" r:id="rId14"/>
+    <p:sldId id="375" r:id="rId15"/>
+    <p:sldId id="376" r:id="rId16"/>
+    <p:sldId id="377" r:id="rId17"/>
+    <p:sldId id="378" r:id="rId18"/>
+    <p:sldId id="379" r:id="rId19"/>
   </p:sldIdLst>
   <p:sldSz cx="9144000" cy="6858000" type="screen4x3"/>
   <p:notesSz cx="6858000" cy="9144000"/>
@@ -158,6 +157,25 @@
       </a:defRPr>
     </a:lvl9pPr>
   </p:defaultTextStyle>
+  <p:extLst>
+    <p:ext uri="{EFAFB233-063F-42B5-8137-9DF3F51BA10A}">
+      <p15:sldGuideLst xmlns:p15="http://schemas.microsoft.com/office/powerpoint/2012/main">
+        <p15:guide id="1" orient="horz" pos="2160">
+          <p15:clr>
+            <a:srgbClr val="A4A3A4"/>
+          </p15:clr>
+        </p15:guide>
+        <p15:guide id="2" pos="2880">
+          <p15:clr>
+            <a:srgbClr val="A4A3A4"/>
+          </p15:clr>
+        </p15:guide>
+      </p15:sldGuideLst>
+    </p:ext>
+    <p:ext uri="{2D200454-40CA-4A62-9FC3-DE9A4176ACB9}">
+      <p15:notesGuideLst xmlns:p15="http://schemas.microsoft.com/office/powerpoint/2012/main"/>
+    </p:ext>
+  </p:extLst>
 </p:presentation>
 </file>
 
@@ -211,14 +229,14 @@
           <a:effectLst/>
           <a:extLst>
             <a:ext uri="{909E8E84-426E-40dd-AFC4-6F175D3DCCD1}">
-              <a14:hiddenFill xmlns:a14="http://schemas.microsoft.com/office/drawing/2010/main">
+              <a14:hiddenFill xmlns:a14="http://schemas.microsoft.com/office/drawing/2010/main" xmlns="">
                 <a:solidFill>
                   <a:schemeClr val="accent1"/>
                 </a:solidFill>
               </a14:hiddenFill>
             </a:ext>
             <a:ext uri="{91240B29-F687-4f45-9708-019B960494DF}">
-              <a14:hiddenLine xmlns:a14="http://schemas.microsoft.com/office/drawing/2010/main" w="9525">
+              <a14:hiddenLine xmlns:a14="http://schemas.microsoft.com/office/drawing/2010/main" xmlns="" w="9525">
                 <a:solidFill>
                   <a:schemeClr val="tx1"/>
                 </a:solidFill>
@@ -228,7 +246,7 @@
               </a14:hiddenLine>
             </a:ext>
             <a:ext uri="{AF507438-7753-43e0-B8FC-AC1667EBCBE1}">
-              <a14:hiddenEffects xmlns:a14="http://schemas.microsoft.com/office/drawing/2010/main">
+              <a14:hiddenEffects xmlns:a14="http://schemas.microsoft.com/office/drawing/2010/main" xmlns="">
                 <a:effectLst>
                   <a:outerShdw dist="35921" dir="2700000" algn="ctr" rotWithShape="0">
                     <a:schemeClr val="bg2"/>
@@ -282,14 +300,14 @@
           <a:effectLst/>
           <a:extLst>
             <a:ext uri="{909E8E84-426E-40dd-AFC4-6F175D3DCCD1}">
-              <a14:hiddenFill xmlns:a14="http://schemas.microsoft.com/office/drawing/2010/main">
+              <a14:hiddenFill xmlns:a14="http://schemas.microsoft.com/office/drawing/2010/main" xmlns="">
                 <a:solidFill>
                   <a:schemeClr val="accent1"/>
                 </a:solidFill>
               </a14:hiddenFill>
             </a:ext>
             <a:ext uri="{91240B29-F687-4f45-9708-019B960494DF}">
-              <a14:hiddenLine xmlns:a14="http://schemas.microsoft.com/office/drawing/2010/main" w="9525">
+              <a14:hiddenLine xmlns:a14="http://schemas.microsoft.com/office/drawing/2010/main" xmlns="" w="9525">
                 <a:solidFill>
                   <a:schemeClr val="tx1"/>
                 </a:solidFill>
@@ -299,7 +317,7 @@
               </a14:hiddenLine>
             </a:ext>
             <a:ext uri="{AF507438-7753-43e0-B8FC-AC1667EBCBE1}">
-              <a14:hiddenEffects xmlns:a14="http://schemas.microsoft.com/office/drawing/2010/main">
+              <a14:hiddenEffects xmlns:a14="http://schemas.microsoft.com/office/drawing/2010/main" xmlns="">
                 <a:effectLst>
                   <a:outerShdw dist="35921" dir="2700000" algn="ctr" rotWithShape="0">
                     <a:schemeClr val="bg2"/>
@@ -329,7 +347,7 @@
               <a:pPr>
                 <a:defRPr/>
               </a:pPr>
-              <a:t>6/24/16</a:t>
+              <a:t>6/28/18</a:t>
             </a:fld>
             <a:endParaRPr lang="en-US"/>
           </a:p>
@@ -360,14 +378,14 @@
           <a:effectLst/>
           <a:extLst>
             <a:ext uri="{909E8E84-426E-40dd-AFC4-6F175D3DCCD1}">
-              <a14:hiddenFill xmlns:a14="http://schemas.microsoft.com/office/drawing/2010/main">
+              <a14:hiddenFill xmlns:a14="http://schemas.microsoft.com/office/drawing/2010/main" xmlns="">
                 <a:solidFill>
                   <a:schemeClr val="accent1"/>
                 </a:solidFill>
               </a14:hiddenFill>
             </a:ext>
             <a:ext uri="{91240B29-F687-4f45-9708-019B960494DF}">
-              <a14:hiddenLine xmlns:a14="http://schemas.microsoft.com/office/drawing/2010/main" w="9525">
+              <a14:hiddenLine xmlns:a14="http://schemas.microsoft.com/office/drawing/2010/main" xmlns="" w="9525">
                 <a:solidFill>
                   <a:schemeClr val="tx1"/>
                 </a:solidFill>
@@ -377,7 +395,7 @@
               </a14:hiddenLine>
             </a:ext>
             <a:ext uri="{AF507438-7753-43e0-B8FC-AC1667EBCBE1}">
-              <a14:hiddenEffects xmlns:a14="http://schemas.microsoft.com/office/drawing/2010/main">
+              <a14:hiddenEffects xmlns:a14="http://schemas.microsoft.com/office/drawing/2010/main" xmlns="">
                 <a:effectLst>
                   <a:outerShdw dist="35921" dir="2700000" algn="ctr" rotWithShape="0">
                     <a:schemeClr val="bg2"/>
@@ -431,14 +449,14 @@
           <a:effectLst/>
           <a:extLst>
             <a:ext uri="{909E8E84-426E-40dd-AFC4-6F175D3DCCD1}">
-              <a14:hiddenFill xmlns:a14="http://schemas.microsoft.com/office/drawing/2010/main">
+              <a14:hiddenFill xmlns:a14="http://schemas.microsoft.com/office/drawing/2010/main" xmlns="">
                 <a:solidFill>
                   <a:schemeClr val="accent1"/>
                 </a:solidFill>
               </a14:hiddenFill>
             </a:ext>
             <a:ext uri="{91240B29-F687-4f45-9708-019B960494DF}">
-              <a14:hiddenLine xmlns:a14="http://schemas.microsoft.com/office/drawing/2010/main" w="9525">
+              <a14:hiddenLine xmlns:a14="http://schemas.microsoft.com/office/drawing/2010/main" xmlns="" w="9525">
                 <a:solidFill>
                   <a:schemeClr val="tx1"/>
                 </a:solidFill>
@@ -448,7 +466,7 @@
               </a14:hiddenLine>
             </a:ext>
             <a:ext uri="{AF507438-7753-43e0-B8FC-AC1667EBCBE1}">
-              <a14:hiddenEffects xmlns:a14="http://schemas.microsoft.com/office/drawing/2010/main">
+              <a14:hiddenEffects xmlns:a14="http://schemas.microsoft.com/office/drawing/2010/main" xmlns="">
                 <a:effectLst>
                   <a:outerShdw dist="35921" dir="2700000" algn="ctr" rotWithShape="0">
                     <a:schemeClr val="bg2"/>
@@ -645,7 +663,7 @@
           </a:ln>
           <a:extLst>
             <a:ext uri="{909E8E84-426E-40dd-AFC4-6F175D3DCCD1}">
-              <a14:hiddenFill xmlns:a14="http://schemas.microsoft.com/office/drawing/2010/main">
+              <a14:hiddenFill xmlns:a14="http://schemas.microsoft.com/office/drawing/2010/main" xmlns="">
                 <a:solidFill>
                   <a:srgbClr val="FFFFFF"/>
                 </a:solidFill>
@@ -691,35 +709,35 @@
           <a:p>
             <a:pPr lvl="0"/>
             <a:r>
-              <a:rPr lang="en-US" noProof="0" smtClean="0"/>
+              <a:rPr lang="en-US" noProof="0"/>
               <a:t>Click to edit Master text styles</a:t>
             </a:r>
           </a:p>
           <a:p>
             <a:pPr lvl="1"/>
             <a:r>
-              <a:rPr lang="en-US" noProof="0" smtClean="0"/>
+              <a:rPr lang="en-US" noProof="0"/>
               <a:t>Second level</a:t>
             </a:r>
           </a:p>
           <a:p>
             <a:pPr lvl="2"/>
             <a:r>
-              <a:rPr lang="en-US" noProof="0" smtClean="0"/>
+              <a:rPr lang="en-US" noProof="0"/>
               <a:t>Third level</a:t>
             </a:r>
           </a:p>
           <a:p>
             <a:pPr lvl="3"/>
             <a:r>
-              <a:rPr lang="en-US" noProof="0" smtClean="0"/>
+              <a:rPr lang="en-US" noProof="0"/>
               <a:t>Fourth level</a:t>
             </a:r>
           </a:p>
           <a:p>
             <a:pPr lvl="4"/>
             <a:r>
-              <a:rPr lang="en-US" noProof="0" smtClean="0"/>
+              <a:rPr lang="en-US" noProof="0"/>
               <a:t>Fifth level</a:t>
             </a:r>
           </a:p>
@@ -1006,18 +1024,9 @@
           <a:lstStyle/>
           <a:p>
             <a:r>
-              <a:rPr lang="en-US" dirty="0" smtClean="0"/>
-              <a:t>https://</a:t>
-            </a:r>
-            <a:r>
-              <a:rPr lang="en-US" dirty="0" err="1" smtClean="0"/>
-              <a:t>www.xamarin.com</a:t>
-            </a:r>
-            <a:r>
-              <a:rPr lang="en-US" dirty="0" smtClean="0"/>
-              <a:t>/test-cloud</a:t>
-            </a:r>
-            <a:endParaRPr lang="en-US" dirty="0"/>
+              <a:rPr lang="en-US" dirty="0"/>
+              <a:t>Run-time error</a:t>
+            </a:r>
           </a:p>
         </p:txBody>
       </p:sp>
@@ -1044,101 +1053,7 @@
               <a:pPr>
                 <a:defRPr/>
               </a:pPr>
-              <a:t>5</a:t>
-            </a:fld>
-            <a:endParaRPr lang="en-US"/>
-          </a:p>
-        </p:txBody>
-      </p:sp>
-    </p:spTree>
-    <p:extLst>
-      <p:ext uri="{BB962C8B-B14F-4D97-AF65-F5344CB8AC3E}">
-        <p14:creationId xmlns:p14="http://schemas.microsoft.com/office/powerpoint/2010/main" val="1935725918"/>
-      </p:ext>
-    </p:extLst>
-  </p:cSld>
-  <p:clrMapOvr>
-    <a:masterClrMapping/>
-  </p:clrMapOvr>
-</p:notes>
-</file>
-
-<file path=ppt/notesSlides/notesSlide2.xml><?xml version="1.0" encoding="utf-8"?>
-<p:notes xmlns:a="http://schemas.openxmlformats.org/drawingml/2006/main" xmlns:r="http://schemas.openxmlformats.org/officeDocument/2006/relationships" xmlns:p="http://schemas.openxmlformats.org/presentationml/2006/main">
-  <p:cSld>
-    <p:spTree>
-      <p:nvGrpSpPr>
-        <p:cNvPr id="1" name=""/>
-        <p:cNvGrpSpPr/>
-        <p:nvPr/>
-      </p:nvGrpSpPr>
-      <p:grpSpPr>
-        <a:xfrm>
-          <a:off x="0" y="0"/>
-          <a:ext cx="0" cy="0"/>
-          <a:chOff x="0" y="0"/>
-          <a:chExt cx="0" cy="0"/>
-        </a:xfrm>
-      </p:grpSpPr>
-      <p:sp>
-        <p:nvSpPr>
-          <p:cNvPr id="2" name="Slide Image Placeholder 1"/>
-          <p:cNvSpPr>
-            <a:spLocks noGrp="1" noRot="1" noChangeAspect="1"/>
-          </p:cNvSpPr>
-          <p:nvPr>
-            <p:ph type="sldImg"/>
-          </p:nvPr>
-        </p:nvSpPr>
-        <p:spPr/>
-      </p:sp>
-      <p:sp>
-        <p:nvSpPr>
-          <p:cNvPr id="3" name="Notes Placeholder 2"/>
-          <p:cNvSpPr>
-            <a:spLocks noGrp="1"/>
-          </p:cNvSpPr>
-          <p:nvPr>
-            <p:ph type="body" idx="1"/>
-          </p:nvPr>
-        </p:nvSpPr>
-        <p:spPr/>
-        <p:txBody>
-          <a:bodyPr/>
-          <a:lstStyle/>
-          <a:p>
-            <a:r>
-              <a:rPr lang="en-US" dirty="0" smtClean="0"/>
-              <a:t>Run-time error</a:t>
-            </a:r>
-            <a:endParaRPr lang="en-US" dirty="0"/>
-          </a:p>
-        </p:txBody>
-      </p:sp>
-      <p:sp>
-        <p:nvSpPr>
-          <p:cNvPr id="4" name="Slide Number Placeholder 3"/>
-          <p:cNvSpPr>
-            <a:spLocks noGrp="1"/>
-          </p:cNvSpPr>
-          <p:nvPr>
-            <p:ph type="sldNum" sz="quarter" idx="10"/>
-          </p:nvPr>
-        </p:nvSpPr>
-        <p:spPr/>
-        <p:txBody>
-          <a:bodyPr/>
-          <a:lstStyle/>
-          <a:p>
-            <a:pPr>
-              <a:defRPr/>
-            </a:pPr>
-            <a:fld id="{82C5A2EE-74B4-4329-B2EC-6DFE0575EDC9}" type="slidenum">
-              <a:rPr lang="en-US" smtClean="0"/>
-              <a:pPr>
-                <a:defRPr/>
-              </a:pPr>
-              <a:t>8</a:t>
+              <a:t>7</a:t>
             </a:fld>
             <a:endParaRPr lang="en-US"/>
           </a:p>
@@ -1205,10 +1120,9 @@
           </a:lstStyle>
           <a:p>
             <a:r>
-              <a:rPr lang="en-US" dirty="0" smtClean="0"/>
+              <a:rPr lang="en-US" dirty="0"/>
               <a:t>Chapter number</a:t>
             </a:r>
-            <a:endParaRPr lang="en-US" dirty="0"/>
           </a:p>
         </p:txBody>
       </p:sp>
@@ -1231,10 +1145,9 @@
               <a:defRPr/>
             </a:pPr>
             <a:r>
-              <a:rPr lang="en-US" smtClean="0"/>
+              <a:rPr lang="en-US"/>
               <a:t>Murach's Android Programming (2nd Ed.), C3</a:t>
             </a:r>
-            <a:endParaRPr lang="en-US"/>
           </a:p>
         </p:txBody>
       </p:sp>
@@ -1257,7 +1170,7 @@
               <a:defRPr/>
             </a:pPr>
             <a:r>
-              <a:rPr lang="en-US" smtClean="0"/>
+              <a:rPr lang="en-US"/>
               <a:t>© 2015, Mike Murach &amp; Associates, Inc.</a:t>
             </a:r>
             <a:endParaRPr lang="en-US" dirty="0"/>
@@ -1282,7 +1195,7 @@
             <a:pPr algn="l">
               <a:defRPr/>
             </a:pPr>
-            <a:endParaRPr lang="en-US" sz="1400" smtClean="0">
+            <a:endParaRPr lang="en-US" sz="1400">
               <a:latin typeface="Times New Roman"/>
             </a:endParaRPr>
           </a:p>
@@ -1291,7 +1204,7 @@
               <a:defRPr/>
             </a:pPr>
             <a:r>
-              <a:rPr lang="en-US" smtClean="0"/>
+              <a:rPr lang="en-US"/>
               <a:t>Slide </a:t>
             </a:r>
             <a:fld id="{BF5C1183-B085-4070-A402-C03A3F977D3D}" type="slidenum">
@@ -1359,14 +1272,14 @@
           </a:ln>
           <a:extLst>
             <a:ext uri="{909E8E84-426E-40dd-AFC4-6F175D3DCCD1}">
-              <a14:hiddenFill xmlns:a14="http://schemas.microsoft.com/office/drawing/2010/main">
+              <a14:hiddenFill xmlns:a14="http://schemas.microsoft.com/office/drawing/2010/main" xmlns="">
                 <a:solidFill>
                   <a:srgbClr val="FFFFFF"/>
                 </a:solidFill>
               </a14:hiddenFill>
             </a:ext>
             <a:ext uri="{91240B29-F687-4f45-9708-019B960494DF}">
-              <a14:hiddenLine xmlns:a14="http://schemas.microsoft.com/office/drawing/2010/main" w="9525">
+              <a14:hiddenLine xmlns:a14="http://schemas.microsoft.com/office/drawing/2010/main" xmlns="" w="9525">
                 <a:solidFill>
                   <a:srgbClr val="000000"/>
                 </a:solidFill>
@@ -1393,7 +1306,7 @@
           <a:p>
             <a:pPr lvl="0"/>
             <a:r>
-              <a:rPr lang="en-US" dirty="0" smtClean="0"/>
+              <a:rPr lang="en-US" dirty="0"/>
               <a:t>Click to edit Master title style</a:t>
             </a:r>
           </a:p>
@@ -1424,10 +1337,9 @@
               <a:defRPr/>
             </a:pPr>
             <a:r>
-              <a:rPr lang="en-US" smtClean="0"/>
+              <a:rPr lang="en-US"/>
               <a:t>Murach's Android Programming (2nd Ed.), C3</a:t>
             </a:r>
-            <a:endParaRPr lang="en-US"/>
           </a:p>
         </p:txBody>
       </p:sp>
@@ -1456,10 +1368,9 @@
               <a:defRPr/>
             </a:pPr>
             <a:r>
-              <a:rPr lang="en-US" smtClean="0"/>
+              <a:rPr lang="en-US"/>
               <a:t>© 2015, Mike Murach &amp; Associates, Inc.</a:t>
             </a:r>
-            <a:endParaRPr lang="en-US"/>
           </a:p>
         </p:txBody>
       </p:sp>
@@ -1567,10 +1478,9 @@
           <a:lstStyle/>
           <a:p>
             <a:r>
-              <a:rPr lang="en-US" smtClean="0"/>
+              <a:rPr lang="en-US"/>
               <a:t>Click to edit Master title style</a:t>
             </a:r>
-            <a:endParaRPr lang="en-US"/>
           </a:p>
         </p:txBody>
       </p:sp>
@@ -1686,10 +1596,9 @@
           </a:lstStyle>
           <a:p>
             <a:r>
-              <a:rPr lang="en-US" smtClean="0"/>
+              <a:rPr lang="en-US"/>
               <a:t>Click to edit Master subtitle style</a:t>
             </a:r>
-            <a:endParaRPr lang="en-US"/>
           </a:p>
         </p:txBody>
       </p:sp>
@@ -1710,7 +1619,7 @@
           <a:p>
             <a:fld id="{12110144-19AD-4D4E-902D-E18AF93089D3}" type="datetimeFigureOut">
               <a:rPr lang="en-US" smtClean="0"/>
-              <a:t>6/24/16</a:t>
+              <a:t>6/28/18</a:t>
             </a:fld>
             <a:endParaRPr lang="en-US"/>
           </a:p>
@@ -1804,10 +1713,9 @@
           <a:lstStyle/>
           <a:p>
             <a:r>
-              <a:rPr lang="en-US" smtClean="0"/>
+              <a:rPr lang="en-US"/>
               <a:t>Click to edit Master title style</a:t>
             </a:r>
-            <a:endParaRPr lang="en-US"/>
           </a:p>
         </p:txBody>
       </p:sp>
@@ -1861,38 +1769,37 @@
           <a:p>
             <a:pPr lvl="0"/>
             <a:r>
-              <a:rPr lang="en-US" smtClean="0"/>
+              <a:rPr lang="en-US"/>
               <a:t>Click to edit Master text styles</a:t>
             </a:r>
           </a:p>
           <a:p>
             <a:pPr lvl="1"/>
             <a:r>
-              <a:rPr lang="en-US" smtClean="0"/>
+              <a:rPr lang="en-US"/>
               <a:t>Second level</a:t>
             </a:r>
           </a:p>
           <a:p>
             <a:pPr lvl="2"/>
             <a:r>
-              <a:rPr lang="en-US" smtClean="0"/>
+              <a:rPr lang="en-US"/>
               <a:t>Third level</a:t>
             </a:r>
           </a:p>
           <a:p>
             <a:pPr lvl="3"/>
             <a:r>
-              <a:rPr lang="en-US" smtClean="0"/>
+              <a:rPr lang="en-US"/>
               <a:t>Fourth level</a:t>
             </a:r>
           </a:p>
           <a:p>
             <a:pPr lvl="4"/>
             <a:r>
-              <a:rPr lang="en-US" smtClean="0"/>
+              <a:rPr lang="en-US"/>
               <a:t>Fifth level</a:t>
             </a:r>
-            <a:endParaRPr lang="en-US"/>
           </a:p>
         </p:txBody>
       </p:sp>
@@ -1946,38 +1853,37 @@
           <a:p>
             <a:pPr lvl="0"/>
             <a:r>
-              <a:rPr lang="en-US" smtClean="0"/>
+              <a:rPr lang="en-US"/>
               <a:t>Click to edit Master text styles</a:t>
             </a:r>
           </a:p>
           <a:p>
             <a:pPr lvl="1"/>
             <a:r>
-              <a:rPr lang="en-US" smtClean="0"/>
+              <a:rPr lang="en-US"/>
               <a:t>Second level</a:t>
             </a:r>
           </a:p>
           <a:p>
             <a:pPr lvl="2"/>
             <a:r>
-              <a:rPr lang="en-US" smtClean="0"/>
+              <a:rPr lang="en-US"/>
               <a:t>Third level</a:t>
             </a:r>
           </a:p>
           <a:p>
             <a:pPr lvl="3"/>
             <a:r>
-              <a:rPr lang="en-US" smtClean="0"/>
+              <a:rPr lang="en-US"/>
               <a:t>Fourth level</a:t>
             </a:r>
           </a:p>
           <a:p>
             <a:pPr lvl="4"/>
             <a:r>
-              <a:rPr lang="en-US" smtClean="0"/>
+              <a:rPr lang="en-US"/>
               <a:t>Fifth level</a:t>
             </a:r>
-            <a:endParaRPr lang="en-US"/>
           </a:p>
         </p:txBody>
       </p:sp>
@@ -1998,7 +1904,7 @@
           <a:p>
             <a:fld id="{12110144-19AD-4D4E-902D-E18AF93089D3}" type="datetimeFigureOut">
               <a:rPr lang="en-US" smtClean="0"/>
-              <a:t>6/24/16</a:t>
+              <a:t>6/28/18</a:t>
             </a:fld>
             <a:endParaRPr lang="en-US"/>
           </a:p>
@@ -2108,14 +2014,14 @@
           </a:ln>
           <a:extLst>
             <a:ext uri="{909E8E84-426E-40dd-AFC4-6F175D3DCCD1}">
-              <a14:hiddenFill xmlns:a14="http://schemas.microsoft.com/office/drawing/2010/main">
+              <a14:hiddenFill xmlns:a14="http://schemas.microsoft.com/office/drawing/2010/main" xmlns="">
                 <a:solidFill>
                   <a:srgbClr val="FFFFFF"/>
                 </a:solidFill>
               </a14:hiddenFill>
             </a:ext>
             <a:ext uri="{91240B29-F687-4f45-9708-019B960494DF}">
-              <a14:hiddenLine xmlns:a14="http://schemas.microsoft.com/office/drawing/2010/main" w="9525">
+              <a14:hiddenLine xmlns:a14="http://schemas.microsoft.com/office/drawing/2010/main" xmlns="" w="9525">
                 <a:solidFill>
                   <a:srgbClr val="000000"/>
                 </a:solidFill>
@@ -2136,7 +2042,7 @@
           <a:p>
             <a:pPr lvl="0"/>
             <a:r>
-              <a:rPr lang="en-US" smtClean="0"/>
+              <a:rPr lang="en-US"/>
               <a:t>Click to edit Master title style</a:t>
             </a:r>
           </a:p>
@@ -2166,14 +2072,14 @@
           </a:ln>
           <a:extLst>
             <a:ext uri="{909E8E84-426E-40dd-AFC4-6F175D3DCCD1}">
-              <a14:hiddenFill xmlns:a14="http://schemas.microsoft.com/office/drawing/2010/main">
+              <a14:hiddenFill xmlns:a14="http://schemas.microsoft.com/office/drawing/2010/main" xmlns="">
                 <a:solidFill>
                   <a:srgbClr val="FFFFFF"/>
                 </a:solidFill>
               </a14:hiddenFill>
             </a:ext>
             <a:ext uri="{91240B29-F687-4f45-9708-019B960494DF}">
-              <a14:hiddenLine xmlns:a14="http://schemas.microsoft.com/office/drawing/2010/main" w="9525">
+              <a14:hiddenLine xmlns:a14="http://schemas.microsoft.com/office/drawing/2010/main" xmlns="" w="9525">
                 <a:solidFill>
                   <a:srgbClr val="000000"/>
                 </a:solidFill>
@@ -2194,35 +2100,35 @@
           <a:p>
             <a:pPr lvl="0"/>
             <a:r>
-              <a:rPr lang="en-US" smtClean="0"/>
+              <a:rPr lang="en-US"/>
               <a:t>Click to edit Master text styles</a:t>
             </a:r>
           </a:p>
           <a:p>
             <a:pPr lvl="1"/>
             <a:r>
-              <a:rPr lang="en-US" smtClean="0"/>
+              <a:rPr lang="en-US"/>
               <a:t>Second level</a:t>
             </a:r>
           </a:p>
           <a:p>
             <a:pPr lvl="2"/>
             <a:r>
-              <a:rPr lang="en-US" smtClean="0"/>
+              <a:rPr lang="en-US"/>
               <a:t>Third level</a:t>
             </a:r>
           </a:p>
           <a:p>
             <a:pPr lvl="3"/>
             <a:r>
-              <a:rPr lang="en-US" smtClean="0"/>
+              <a:rPr lang="en-US"/>
               <a:t>Fourth level</a:t>
             </a:r>
           </a:p>
           <a:p>
             <a:pPr lvl="4"/>
             <a:r>
-              <a:rPr lang="en-US" smtClean="0"/>
+              <a:rPr lang="en-US"/>
               <a:t>Fifth level</a:t>
             </a:r>
           </a:p>
@@ -2271,10 +2177,9 @@
               <a:defRPr/>
             </a:pPr>
             <a:r>
-              <a:rPr lang="en-US" smtClean="0"/>
+              <a:rPr lang="en-US"/>
               <a:t>Murach's Android Programming (2nd Ed.), C3</a:t>
             </a:r>
-            <a:endParaRPr lang="en-US"/>
           </a:p>
         </p:txBody>
       </p:sp>
@@ -2321,10 +2226,9 @@
               <a:defRPr/>
             </a:pPr>
             <a:r>
-              <a:rPr lang="en-US" smtClean="0"/>
+              <a:rPr lang="en-US"/>
               <a:t>© 2015, Mike Murach &amp; Associates, Inc.</a:t>
             </a:r>
-            <a:endParaRPr lang="en-US"/>
           </a:p>
         </p:txBody>
       </p:sp>
@@ -2823,18 +2727,13 @@
           <a:lstStyle/>
           <a:p>
             <a:r>
-              <a:rPr lang="en-US" sz="4400" b="1" dirty="0" smtClean="0">
+              <a:rPr lang="en-US" sz="4400" b="1" dirty="0">
                 <a:solidFill>
                   <a:schemeClr val="tx1"/>
                 </a:solidFill>
               </a:rPr>
               <a:t>CIS 399</a:t>
             </a:r>
-            <a:endParaRPr lang="en-US" sz="4400" b="1" dirty="0">
-              <a:solidFill>
-                <a:schemeClr val="tx1"/>
-              </a:solidFill>
-            </a:endParaRPr>
           </a:p>
         </p:txBody>
       </p:sp>
@@ -2861,7 +2760,7 @@
           <a:lstStyle/>
           <a:p>
             <a:r>
-              <a:rPr lang="en-US" sz="8800" b="1" dirty="0" smtClean="0">
+              <a:rPr lang="en-US" sz="8800" b="1" dirty="0">
                 <a:solidFill>
                   <a:schemeClr val="accent6"/>
                 </a:solidFill>
@@ -2887,13 +2786,6 @@
   <p:clrMapOvr>
     <a:masterClrMapping/>
   </p:clrMapOvr>
-  <p:timing>
-    <p:tnLst>
-      <p:par>
-        <p:cTn xmlns:p14="http://schemas.microsoft.com/office/powerpoint/2010/main" id="1" dur="indefinite" restart="never" nodeType="tmRoot"/>
-      </p:par>
-    </p:tnLst>
-  </p:timing>
 </p:sld>
 </file>
 
@@ -2927,7 +2819,7 @@
         <p:spPr>
           <a:xfrm>
             <a:off x="914400" y="685800"/>
-            <a:ext cx="7315200" cy="400110"/>
+            <a:ext cx="7315200" cy="800219"/>
           </a:xfrm>
         </p:spPr>
         <p:txBody>
@@ -2936,7 +2828,14 @@
           <a:p>
             <a:r>
               <a:rPr lang="en-US" dirty="0"/>
-              <a:t>The </a:t>
+              <a:t>Android Studio </a:t>
+            </a:r>
+            <a:br>
+              <a:rPr lang="en-US" dirty="0"/>
+            </a:br>
+            <a:r>
+              <a:rPr lang="en-US" dirty="0"/>
+              <a:t>with the </a:t>
             </a:r>
             <a:r>
               <a:rPr lang="en-US" dirty="0" err="1"/>
@@ -2944,7 +2843,7 @@
             </a:r>
             <a:r>
               <a:rPr lang="en-US" dirty="0"/>
-              <a:t> view after a crash</a:t>
+              <a:t> window displayed</a:t>
             </a:r>
           </a:p>
         </p:txBody>
@@ -2962,7 +2861,7 @@
         <p:spPr>
           <a:xfrm>
             <a:off x="762000" y="6248400"/>
-            <a:ext cx="2362200" cy="457200"/>
+            <a:ext cx="2438400" cy="457200"/>
           </a:xfrm>
         </p:spPr>
         <p:txBody>
@@ -2973,14 +2872,9 @@
               <a:defRPr/>
             </a:pPr>
             <a:r>
-              <a:rPr lang="en-US" dirty="0" err="1" smtClean="0"/>
-              <a:t>Murach's</a:t>
-            </a:r>
-            <a:r>
-              <a:rPr lang="en-US" dirty="0" smtClean="0"/>
-              <a:t> Android Programming (2nd Ed.), C4</a:t>
-            </a:r>
-            <a:endParaRPr lang="en-US" dirty="0"/>
+              <a:rPr lang="en-US"/>
+              <a:t>Murach's Android Programming (2nd Ed.), C4</a:t>
+            </a:r>
           </a:p>
         </p:txBody>
       </p:sp>
@@ -3003,10 +2897,9 @@
               <a:defRPr/>
             </a:pPr>
             <a:r>
-              <a:rPr lang="en-US" smtClean="0"/>
+              <a:rPr lang="en-US"/>
               <a:t>© 2015, Mike Murach &amp; Associates, Inc.</a:t>
             </a:r>
-            <a:endParaRPr lang="en-US"/>
           </a:p>
         </p:txBody>
       </p:sp>
@@ -3028,14 +2921,14 @@
             <a:pPr>
               <a:defRPr/>
             </a:pPr>
-            <a:endParaRPr lang="en-US" smtClean="0"/>
+            <a:endParaRPr lang="en-US"/>
           </a:p>
           <a:p>
             <a:pPr algn="r">
               <a:defRPr/>
             </a:pPr>
             <a:r>
-              <a:rPr lang="en-US" sz="900" smtClean="0">
+              <a:rPr lang="en-US" sz="900">
                 <a:latin typeface="Arial Narrow" pitchFamily="34" charset="0"/>
               </a:rPr>
               <a:t>Slide </a:t>
@@ -3048,230 +2941,6 @@
                 <a:defRPr/>
               </a:pPr>
               <a:t>10</a:t>
-            </a:fld>
-            <a:endParaRPr lang="en-US" sz="900">
-              <a:latin typeface="Arial Narrow" pitchFamily="34" charset="0"/>
-            </a:endParaRPr>
-          </a:p>
-        </p:txBody>
-      </p:sp>
-      <p:pic>
-        <p:nvPicPr>
-          <p:cNvPr id="6" name="Picture 5"/>
-          <p:cNvPicPr/>
-          <p:nvPr/>
-        </p:nvPicPr>
-        <p:blipFill>
-          <a:blip r:embed="rId2">
-            <a:extLst>
-              <a:ext uri="{28A0092B-C50C-407E-A947-70E740481C1C}">
-                <a14:useLocalDpi xmlns:a14="http://schemas.microsoft.com/office/drawing/2010/main" val="0"/>
-              </a:ext>
-            </a:extLst>
-          </a:blip>
-          <a:stretch>
-            <a:fillRect/>
-          </a:stretch>
-        </p:blipFill>
-        <p:spPr>
-          <a:xfrm>
-            <a:off x="914400" y="1143000"/>
-            <a:ext cx="7315200" cy="4866978"/>
-          </a:xfrm>
-          <a:prstGeom prst="rect">
-            <a:avLst/>
-          </a:prstGeom>
-          <a:effectLst>
-            <a:outerShdw blurRad="50800" dist="38100" dir="2700000" algn="tl" rotWithShape="0">
-              <a:prstClr val="black">
-                <a:alpha val="40000"/>
-              </a:prstClr>
-            </a:outerShdw>
-          </a:effectLst>
-        </p:spPr>
-      </p:pic>
-    </p:spTree>
-    <p:extLst>
-      <p:ext uri="{BB962C8B-B14F-4D97-AF65-F5344CB8AC3E}">
-        <p14:creationId xmlns:p14="http://schemas.microsoft.com/office/powerpoint/2010/main" val="1584497653"/>
-      </p:ext>
-    </p:extLst>
-  </p:cSld>
-  <p:clrMapOvr>
-    <a:masterClrMapping/>
-  </p:clrMapOvr>
-  <p:timing>
-    <p:tnLst>
-      <p:par>
-        <p:cTn xmlns:p14="http://schemas.microsoft.com/office/powerpoint/2010/main" id="1" dur="indefinite" restart="never" nodeType="tmRoot"/>
-      </p:par>
-    </p:tnLst>
-  </p:timing>
-</p:sld>
-</file>
-
-<file path=ppt/slides/slide11.xml><?xml version="1.0" encoding="utf-8"?>
-<p:sld xmlns:a="http://schemas.openxmlformats.org/drawingml/2006/main" xmlns:r="http://schemas.openxmlformats.org/officeDocument/2006/relationships" xmlns:p="http://schemas.openxmlformats.org/presentationml/2006/main">
-  <p:cSld>
-    <p:spTree>
-      <p:nvGrpSpPr>
-        <p:cNvPr id="1" name=""/>
-        <p:cNvGrpSpPr/>
-        <p:nvPr/>
-      </p:nvGrpSpPr>
-      <p:grpSpPr>
-        <a:xfrm>
-          <a:off x="0" y="0"/>
-          <a:ext cx="0" cy="0"/>
-          <a:chOff x="0" y="0"/>
-          <a:chExt cx="0" cy="0"/>
-        </a:xfrm>
-      </p:grpSpPr>
-      <p:sp>
-        <p:nvSpPr>
-          <p:cNvPr id="2" name="Title 1"/>
-          <p:cNvSpPr>
-            <a:spLocks noGrp="1"/>
-          </p:cNvSpPr>
-          <p:nvPr>
-            <p:ph type="title"/>
-          </p:nvPr>
-        </p:nvSpPr>
-        <p:spPr>
-          <a:xfrm>
-            <a:off x="914400" y="685800"/>
-            <a:ext cx="7315200" cy="800219"/>
-          </a:xfrm>
-        </p:spPr>
-        <p:txBody>
-          <a:bodyPr/>
-          <a:lstStyle/>
-          <a:p>
-            <a:r>
-              <a:rPr lang="en-US" dirty="0"/>
-              <a:t>Android Studio </a:t>
-            </a:r>
-            <a:r>
-              <a:rPr lang="en-US" dirty="0" smtClean="0"/>
-              <a:t/>
-            </a:r>
-            <a:br>
-              <a:rPr lang="en-US" dirty="0" smtClean="0"/>
-            </a:br>
-            <a:r>
-              <a:rPr lang="en-US" dirty="0" smtClean="0"/>
-              <a:t>with </a:t>
-            </a:r>
-            <a:r>
-              <a:rPr lang="en-US" dirty="0"/>
-              <a:t>the </a:t>
-            </a:r>
-            <a:r>
-              <a:rPr lang="en-US" dirty="0" err="1"/>
-              <a:t>LogCat</a:t>
-            </a:r>
-            <a:r>
-              <a:rPr lang="en-US" dirty="0"/>
-              <a:t> window displayed</a:t>
-            </a:r>
-          </a:p>
-        </p:txBody>
-      </p:sp>
-      <p:sp>
-        <p:nvSpPr>
-          <p:cNvPr id="3" name="Date Placeholder 2"/>
-          <p:cNvSpPr>
-            <a:spLocks noGrp="1"/>
-          </p:cNvSpPr>
-          <p:nvPr>
-            <p:ph type="dt" sz="half" idx="10"/>
-          </p:nvPr>
-        </p:nvSpPr>
-        <p:spPr>
-          <a:xfrm>
-            <a:off x="762000" y="6248400"/>
-            <a:ext cx="2438400" cy="457200"/>
-          </a:xfrm>
-        </p:spPr>
-        <p:txBody>
-          <a:bodyPr/>
-          <a:lstStyle/>
-          <a:p>
-            <a:pPr>
-              <a:defRPr/>
-            </a:pPr>
-            <a:r>
-              <a:rPr lang="en-US" smtClean="0"/>
-              <a:t>Murach's Android Programming (2nd Ed.), C4</a:t>
-            </a:r>
-            <a:endParaRPr lang="en-US"/>
-          </a:p>
-        </p:txBody>
-      </p:sp>
-      <p:sp>
-        <p:nvSpPr>
-          <p:cNvPr id="4" name="Footer Placeholder 3"/>
-          <p:cNvSpPr>
-            <a:spLocks noGrp="1"/>
-          </p:cNvSpPr>
-          <p:nvPr>
-            <p:ph type="ftr" sz="quarter" idx="11"/>
-          </p:nvPr>
-        </p:nvSpPr>
-        <p:spPr/>
-        <p:txBody>
-          <a:bodyPr/>
-          <a:lstStyle/>
-          <a:p>
-            <a:pPr>
-              <a:defRPr/>
-            </a:pPr>
-            <a:r>
-              <a:rPr lang="en-US" smtClean="0"/>
-              <a:t>© 2015, Mike Murach &amp; Associates, Inc.</a:t>
-            </a:r>
-            <a:endParaRPr lang="en-US"/>
-          </a:p>
-        </p:txBody>
-      </p:sp>
-      <p:sp>
-        <p:nvSpPr>
-          <p:cNvPr id="5" name="Slide Number Placeholder 4"/>
-          <p:cNvSpPr>
-            <a:spLocks noGrp="1"/>
-          </p:cNvSpPr>
-          <p:nvPr>
-            <p:ph type="sldNum" sz="quarter" idx="12"/>
-          </p:nvPr>
-        </p:nvSpPr>
-        <p:spPr/>
-        <p:txBody>
-          <a:bodyPr/>
-          <a:lstStyle/>
-          <a:p>
-            <a:pPr>
-              <a:defRPr/>
-            </a:pPr>
-            <a:endParaRPr lang="en-US" smtClean="0"/>
-          </a:p>
-          <a:p>
-            <a:pPr algn="r">
-              <a:defRPr/>
-            </a:pPr>
-            <a:r>
-              <a:rPr lang="en-US" sz="900" smtClean="0">
-                <a:latin typeface="Arial Narrow" pitchFamily="34" charset="0"/>
-              </a:rPr>
-              <a:t>Slide </a:t>
-            </a:r>
-            <a:fld id="{5ECE9829-65B2-40C6-AEFF-7C648FF56A9C}" type="slidenum">
-              <a:rPr lang="en-US" sz="900" smtClean="0">
-                <a:latin typeface="Arial Narrow" pitchFamily="34" charset="0"/>
-              </a:rPr>
-              <a:pPr algn="r">
-                <a:defRPr/>
-              </a:pPr>
-              <a:t>11</a:t>
             </a:fld>
             <a:endParaRPr lang="en-US" sz="900">
               <a:latin typeface="Arial Narrow" pitchFamily="34" charset="0"/>
@@ -3324,17 +2993,10 @@
   <p:clrMapOvr>
     <a:masterClrMapping/>
   </p:clrMapOvr>
-  <p:timing>
-    <p:tnLst>
-      <p:par>
-        <p:cTn xmlns:p14="http://schemas.microsoft.com/office/powerpoint/2010/main" id="1" dur="indefinite" restart="never" nodeType="tmRoot"/>
-      </p:par>
-    </p:tnLst>
-  </p:timing>
 </p:sld>
 </file>
 
-<file path=ppt/slides/slide12.xml><?xml version="1.0" encoding="utf-8"?>
+<file path=ppt/slides/slide11.xml><?xml version="1.0" encoding="utf-8"?>
 <p:sld xmlns:a="http://schemas.openxmlformats.org/drawingml/2006/main" xmlns:r="http://schemas.openxmlformats.org/officeDocument/2006/relationships" xmlns:p="http://schemas.openxmlformats.org/presentationml/2006/main">
   <p:cSld>
     <p:spTree>
@@ -3372,11 +3034,11 @@
           <a:lstStyle/>
           <a:p>
             <a:r>
-              <a:rPr lang="en-US" dirty="0" smtClean="0"/>
+              <a:rPr lang="en-US" dirty="0"/>
               <a:t>Send Your Own Messages to </a:t>
             </a:r>
             <a:r>
-              <a:rPr lang="en-US" dirty="0" err="1" smtClean="0"/>
+              <a:rPr lang="en-US" dirty="0" err="1"/>
               <a:t>LogCat</a:t>
             </a:r>
             <a:endParaRPr lang="en-US" dirty="0"/>
@@ -3407,14 +3069,13 @@
               <a:defRPr/>
             </a:pPr>
             <a:r>
-              <a:rPr lang="en-US" dirty="0" err="1" smtClean="0"/>
+              <a:rPr lang="en-US" dirty="0" err="1"/>
               <a:t>Murach's</a:t>
             </a:r>
             <a:r>
-              <a:rPr lang="en-US" dirty="0" smtClean="0"/>
+              <a:rPr lang="en-US" dirty="0"/>
               <a:t> Android Programming (2nd Ed.), C4</a:t>
             </a:r>
-            <a:endParaRPr lang="en-US" dirty="0"/>
           </a:p>
         </p:txBody>
       </p:sp>
@@ -3437,14 +3098,9 @@
               <a:defRPr/>
             </a:pPr>
             <a:r>
-              <a:rPr lang="en-US" dirty="0" smtClean="0"/>
-              <a:t>© 2015, Mike Murach &amp; Associates, Inc</a:t>
-            </a:r>
-            <a:r>
-              <a:rPr lang="en-US" dirty="0" smtClean="0"/>
-              <a:t>. – Revised by Brian Bird 2016</a:t>
-            </a:r>
-            <a:endParaRPr lang="en-US" dirty="0"/>
+              <a:rPr lang="en-US" dirty="0"/>
+              <a:t>© 2015, Mike Murach &amp; Associates, Inc. – Revised by Brian Bird 2016</a:t>
+            </a:r>
           </a:p>
         </p:txBody>
       </p:sp>
@@ -3466,14 +3122,14 @@
             <a:pPr>
               <a:defRPr/>
             </a:pPr>
-            <a:endParaRPr lang="en-US" smtClean="0"/>
+            <a:endParaRPr lang="en-US"/>
           </a:p>
           <a:p>
             <a:pPr algn="r">
               <a:defRPr/>
             </a:pPr>
             <a:r>
-              <a:rPr lang="en-US" sz="900" smtClean="0">
+              <a:rPr lang="en-US" sz="900">
                 <a:latin typeface="Arial Narrow" pitchFamily="34" charset="0"/>
               </a:rPr>
               <a:t>Slide </a:t>
@@ -3485,7 +3141,7 @@
               <a:pPr algn="r">
                 <a:defRPr/>
               </a:pPr>
-              <a:t>12</a:t>
+              <a:t>11</a:t>
             </a:fld>
             <a:endParaRPr lang="en-US" sz="900">
               <a:latin typeface="Arial Narrow" pitchFamily="34" charset="0"/>
@@ -3515,7 +3171,7 @@
           <a:graphicData uri="http://schemas.openxmlformats.org/presentationml/2006/ole">
             <mc:AlternateContent xmlns:mc="http://schemas.openxmlformats.org/markup-compatibility/2006">
               <mc:Choice xmlns:v="urn:schemas-microsoft-com:vml" Requires="v">
-                <p:oleObj spid="_x0000_s38915" name="Document" r:id="rId3" imgW="7377498" imgH="1980363" progId="Word.Document.12">
+                <p:oleObj spid="_x0000_s38917" name="Document" r:id="rId3" imgW="7377498" imgH="1980363" progId="Word.Document.12">
                   <p:embed/>
                 </p:oleObj>
               </mc:Choice>
@@ -3572,14 +3228,14 @@
           </a:ln>
           <a:extLst>
             <a:ext uri="{909E8E84-426E-40dd-AFC4-6F175D3DCCD1}">
-              <a14:hiddenFill xmlns:a14="http://schemas.microsoft.com/office/drawing/2010/main">
+              <a14:hiddenFill xmlns:a14="http://schemas.microsoft.com/office/drawing/2010/main" xmlns="">
                 <a:solidFill>
                   <a:srgbClr val="FFFFFF"/>
                 </a:solidFill>
               </a14:hiddenFill>
             </a:ext>
             <a:ext uri="{91240B29-F687-4f45-9708-019B960494DF}">
-              <a14:hiddenLine xmlns:a14="http://schemas.microsoft.com/office/drawing/2010/main" w="9525">
+              <a14:hiddenLine xmlns:a14="http://schemas.microsoft.com/office/drawing/2010/main" xmlns="" w="9525">
                 <a:solidFill>
                   <a:srgbClr val="000000"/>
                 </a:solidFill>
@@ -3729,18 +3385,13 @@
           </a:lstStyle>
           <a:p>
             <a:r>
-              <a:rPr lang="en-US" dirty="0" smtClean="0">
+              <a:rPr lang="en-US" dirty="0">
                 <a:solidFill>
                   <a:srgbClr val="000000"/>
                 </a:solidFill>
               </a:rPr>
               <a:t>A few methods of the Log class</a:t>
             </a:r>
-            <a:endParaRPr lang="en-US" dirty="0">
-              <a:solidFill>
-                <a:srgbClr val="000000"/>
-              </a:solidFill>
-            </a:endParaRPr>
           </a:p>
         </p:txBody>
       </p:sp>
@@ -3771,33 +3422,33 @@
               <a:buAutoNum type="arabicPeriod"/>
             </a:pPr>
             <a:r>
-              <a:rPr lang="en-US" b="1" dirty="0" smtClean="0">
+              <a:rPr lang="en-US" b="1" dirty="0">
                 <a:latin typeface="Calibri"/>
                 <a:cs typeface="Calibri"/>
               </a:rPr>
               <a:t>Import the class</a:t>
             </a:r>
             <a:br>
-              <a:rPr lang="en-US" b="1" dirty="0" smtClean="0">
+              <a:rPr lang="en-US" b="1" dirty="0">
                 <a:latin typeface="Calibri"/>
                 <a:cs typeface="Calibri"/>
               </a:rPr>
             </a:br>
             <a:r>
-              <a:rPr lang="en-US" sz="2000" i="1" dirty="0" smtClean="0">
+              <a:rPr lang="en-US" sz="2000" i="1" dirty="0">
                 <a:latin typeface="Calibri"/>
                 <a:cs typeface="Calibri"/>
               </a:rPr>
               <a:t>import </a:t>
             </a:r>
             <a:r>
-              <a:rPr lang="en-US" sz="2000" i="1" dirty="0" err="1" smtClean="0">
+              <a:rPr lang="en-US" sz="2000" i="1" dirty="0" err="1">
                 <a:latin typeface="Calibri"/>
                 <a:cs typeface="Calibri"/>
               </a:rPr>
               <a:t>android.util.Log</a:t>
             </a:r>
-            <a:endParaRPr lang="en-US" sz="2000" i="1" dirty="0" smtClean="0">
+            <a:endParaRPr lang="en-US" sz="2000" i="1" dirty="0">
               <a:latin typeface="Calibri"/>
               <a:cs typeface="Calibri"/>
             </a:endParaRPr>
@@ -3808,34 +3459,34 @@
               <a:buAutoNum type="arabicPeriod"/>
             </a:pPr>
             <a:r>
-              <a:rPr lang="en-US" b="1" dirty="0" smtClean="0">
+              <a:rPr lang="en-US" b="1" dirty="0">
                 <a:latin typeface="Calibri"/>
                 <a:cs typeface="Calibri"/>
               </a:rPr>
               <a:t>Declare a constant for the tag parameter</a:t>
             </a:r>
             <a:br>
-              <a:rPr lang="en-US" b="1" dirty="0" smtClean="0">
+              <a:rPr lang="en-US" b="1" dirty="0">
                 <a:latin typeface="Calibri"/>
                 <a:cs typeface="Calibri"/>
               </a:rPr>
             </a:br>
             <a:r>
-              <a:rPr lang="en-US" sz="2000" i="1" dirty="0" smtClean="0">
+              <a:rPr lang="en-US" sz="2000" i="1" dirty="0">
                 <a:latin typeface="Calibri"/>
                 <a:cs typeface="Calibri"/>
               </a:rPr>
               <a:t>private static final String TIP_CALC = “</a:t>
             </a:r>
             <a:r>
-              <a:rPr lang="en-US" sz="2000" i="1" dirty="0" err="1" smtClean="0">
+              <a:rPr lang="en-US" sz="2000" i="1" dirty="0" err="1">
                 <a:latin typeface="Calibri"/>
                 <a:cs typeface="Calibri"/>
               </a:rPr>
               <a:t>TipCalculatorActivity</a:t>
             </a:r>
             <a:r>
-              <a:rPr lang="en-US" sz="2000" i="1" dirty="0" smtClean="0">
+              <a:rPr lang="en-US" sz="2000" i="1" dirty="0">
                 <a:latin typeface="Calibri"/>
                 <a:cs typeface="Calibri"/>
               </a:rPr>
@@ -3848,36 +3499,32 @@
               <a:buAutoNum type="arabicPeriod"/>
             </a:pPr>
             <a:r>
-              <a:rPr lang="en-US" b="1" dirty="0" smtClean="0">
+              <a:rPr lang="en-US" b="1" dirty="0">
                 <a:latin typeface="Calibri"/>
                 <a:cs typeface="Calibri"/>
               </a:rPr>
               <a:t>Send messages to the log</a:t>
             </a:r>
             <a:br>
-              <a:rPr lang="en-US" b="1" dirty="0" smtClean="0">
+              <a:rPr lang="en-US" b="1" dirty="0">
                 <a:latin typeface="Calibri"/>
                 <a:cs typeface="Calibri"/>
               </a:rPr>
             </a:br>
             <a:r>
-              <a:rPr lang="en-US" sz="2000" i="1" dirty="0" err="1" smtClean="0">
+              <a:rPr lang="en-US" sz="2000" i="1" dirty="0" err="1">
                 <a:latin typeface="Calibri"/>
                 <a:cs typeface="Calibri"/>
               </a:rPr>
               <a:t>Log.d</a:t>
             </a:r>
             <a:r>
-              <a:rPr lang="en-US" sz="2000" i="1" dirty="0" smtClean="0">
+              <a:rPr lang="en-US" sz="2000" i="1" dirty="0">
                 <a:latin typeface="Calibri"/>
                 <a:cs typeface="Calibri"/>
               </a:rPr>
               <a:t>(TIP_CALC, “In editor event”);</a:t>
             </a:r>
-            <a:endParaRPr lang="en-US" sz="2000" i="1" dirty="0">
-              <a:latin typeface="Calibri"/>
-              <a:cs typeface="Calibri"/>
-            </a:endParaRPr>
           </a:p>
         </p:txBody>
       </p:sp>
@@ -3891,17 +3538,10 @@
   <p:clrMapOvr>
     <a:masterClrMapping/>
   </p:clrMapOvr>
-  <p:timing>
-    <p:tnLst>
-      <p:par>
-        <p:cTn xmlns:p14="http://schemas.microsoft.com/office/powerpoint/2010/main" id="1" dur="indefinite" restart="never" nodeType="tmRoot"/>
-      </p:par>
-    </p:tnLst>
-  </p:timing>
 </p:sld>
 </file>
 
-<file path=ppt/slides/slide13.xml><?xml version="1.0" encoding="utf-8"?>
+<file path=ppt/slides/slide12.xml><?xml version="1.0" encoding="utf-8"?>
 <p:sld xmlns:a="http://schemas.openxmlformats.org/drawingml/2006/main" xmlns:r="http://schemas.openxmlformats.org/officeDocument/2006/relationships" xmlns:p="http://schemas.openxmlformats.org/presentationml/2006/main">
   <p:cSld>
     <p:spTree>
@@ -3969,14 +3609,13 @@
               <a:defRPr/>
             </a:pPr>
             <a:r>
-              <a:rPr lang="en-US" dirty="0" err="1" smtClean="0"/>
+              <a:rPr lang="en-US" dirty="0" err="1"/>
               <a:t>Murach's</a:t>
             </a:r>
             <a:r>
-              <a:rPr lang="en-US" dirty="0" smtClean="0"/>
+              <a:rPr lang="en-US" dirty="0"/>
               <a:t> Android Programming (2nd Ed.), C4</a:t>
             </a:r>
-            <a:endParaRPr lang="en-US" dirty="0"/>
           </a:p>
         </p:txBody>
       </p:sp>
@@ -3999,10 +3638,9 @@
               <a:defRPr/>
             </a:pPr>
             <a:r>
-              <a:rPr lang="en-US" smtClean="0"/>
+              <a:rPr lang="en-US"/>
               <a:t>© 2015, Mike Murach &amp; Associates, Inc.</a:t>
             </a:r>
-            <a:endParaRPr lang="en-US"/>
           </a:p>
         </p:txBody>
       </p:sp>
@@ -4024,14 +3662,14 @@
             <a:pPr>
               <a:defRPr/>
             </a:pPr>
-            <a:endParaRPr lang="en-US" smtClean="0"/>
+            <a:endParaRPr lang="en-US"/>
           </a:p>
           <a:p>
             <a:pPr algn="r">
               <a:defRPr/>
             </a:pPr>
             <a:r>
-              <a:rPr lang="en-US" sz="900" smtClean="0">
+              <a:rPr lang="en-US" sz="900">
                 <a:latin typeface="Arial Narrow" pitchFamily="34" charset="0"/>
               </a:rPr>
               <a:t>Slide </a:t>
@@ -4043,7 +3681,7 @@
               <a:pPr algn="r">
                 <a:defRPr/>
               </a:pPr>
-              <a:t>13</a:t>
+              <a:t>12</a:t>
             </a:fld>
             <a:endParaRPr lang="en-US" sz="900">
               <a:latin typeface="Arial Narrow" pitchFamily="34" charset="0"/>
@@ -4096,17 +3734,10 @@
   <p:clrMapOvr>
     <a:masterClrMapping/>
   </p:clrMapOvr>
-  <p:timing>
-    <p:tnLst>
-      <p:par>
-        <p:cTn xmlns:p14="http://schemas.microsoft.com/office/powerpoint/2010/main" id="1" dur="indefinite" restart="never" nodeType="tmRoot"/>
-      </p:par>
-    </p:tnLst>
-  </p:timing>
 </p:sld>
 </file>
 
-<file path=ppt/slides/slide14.xml><?xml version="1.0" encoding="utf-8"?>
+<file path=ppt/slides/slide13.xml><?xml version="1.0" encoding="utf-8"?>
 <p:sld xmlns:a="http://schemas.openxmlformats.org/drawingml/2006/main" xmlns:r="http://schemas.openxmlformats.org/officeDocument/2006/relationships" xmlns:p="http://schemas.openxmlformats.org/presentationml/2006/main">
   <p:cSld>
     <p:spTree>
@@ -4174,14 +3805,13 @@
               <a:defRPr/>
             </a:pPr>
             <a:r>
-              <a:rPr lang="en-US" dirty="0" err="1" smtClean="0"/>
+              <a:rPr lang="en-US" dirty="0" err="1"/>
               <a:t>Murach's</a:t>
             </a:r>
             <a:r>
-              <a:rPr lang="en-US" dirty="0" smtClean="0"/>
+              <a:rPr lang="en-US" dirty="0"/>
               <a:t> Android Programming (2nd Ed.), C4</a:t>
             </a:r>
-            <a:endParaRPr lang="en-US" dirty="0"/>
           </a:p>
         </p:txBody>
       </p:sp>
@@ -4204,10 +3834,9 @@
               <a:defRPr/>
             </a:pPr>
             <a:r>
-              <a:rPr lang="en-US" smtClean="0"/>
+              <a:rPr lang="en-US"/>
               <a:t>© 2015, Mike Murach &amp; Associates, Inc.</a:t>
             </a:r>
-            <a:endParaRPr lang="en-US"/>
           </a:p>
         </p:txBody>
       </p:sp>
@@ -4229,14 +3858,14 @@
             <a:pPr>
               <a:defRPr/>
             </a:pPr>
-            <a:endParaRPr lang="en-US" smtClean="0"/>
+            <a:endParaRPr lang="en-US"/>
           </a:p>
           <a:p>
             <a:pPr algn="r">
               <a:defRPr/>
             </a:pPr>
             <a:r>
-              <a:rPr lang="en-US" sz="900" smtClean="0">
+              <a:rPr lang="en-US" sz="900">
                 <a:latin typeface="Arial Narrow" pitchFamily="34" charset="0"/>
               </a:rPr>
               <a:t>Slide </a:t>
@@ -4248,7 +3877,7 @@
               <a:pPr algn="r">
                 <a:defRPr/>
               </a:pPr>
-              <a:t>14</a:t>
+              <a:t>13</a:t>
             </a:fld>
             <a:endParaRPr lang="en-US" sz="900">
               <a:latin typeface="Arial Narrow" pitchFamily="34" charset="0"/>
@@ -4278,7 +3907,7 @@
           <a:graphicData uri="http://schemas.openxmlformats.org/presentationml/2006/ole">
             <mc:AlternateContent xmlns:mc="http://schemas.openxmlformats.org/markup-compatibility/2006">
               <mc:Choice xmlns:v="urn:schemas-microsoft-com:vml" Requires="v">
-                <p:oleObj spid="_x0000_s40963" name="Document" r:id="rId3" imgW="7301323" imgH="1545043" progId="Word.Document.12">
+                <p:oleObj spid="_x0000_s40965" name="Document" r:id="rId3" imgW="7301323" imgH="1545043" progId="Word.Document.12">
                   <p:embed/>
                 </p:oleObj>
               </mc:Choice>
@@ -4323,17 +3952,10 @@
   <p:clrMapOvr>
     <a:masterClrMapping/>
   </p:clrMapOvr>
-  <p:timing>
-    <p:tnLst>
-      <p:par>
-        <p:cTn xmlns:p14="http://schemas.microsoft.com/office/powerpoint/2010/main" id="1" dur="indefinite" restart="never" nodeType="tmRoot"/>
-      </p:par>
-    </p:tnLst>
-  </p:timing>
 </p:sld>
 </file>
 
-<file path=ppt/slides/slide15.xml><?xml version="1.0" encoding="utf-8"?>
+<file path=ppt/slides/slide14.xml><?xml version="1.0" encoding="utf-8"?>
 <p:sld xmlns:a="http://schemas.openxmlformats.org/drawingml/2006/main" xmlns:r="http://schemas.openxmlformats.org/officeDocument/2006/relationships" xmlns:p="http://schemas.openxmlformats.org/presentationml/2006/main">
   <p:cSld>
     <p:spTree>
@@ -4401,10 +4023,9 @@
               <a:defRPr/>
             </a:pPr>
             <a:r>
-              <a:rPr lang="en-US" smtClean="0"/>
+              <a:rPr lang="en-US"/>
               <a:t>Murach's Android Programming (2nd Ed.), C4</a:t>
             </a:r>
-            <a:endParaRPr lang="en-US"/>
           </a:p>
         </p:txBody>
       </p:sp>
@@ -4427,10 +4048,9 @@
               <a:defRPr/>
             </a:pPr>
             <a:r>
-              <a:rPr lang="en-US" smtClean="0"/>
+              <a:rPr lang="en-US"/>
               <a:t>© 2015, Mike Murach &amp; Associates, Inc.</a:t>
             </a:r>
-            <a:endParaRPr lang="en-US"/>
           </a:p>
         </p:txBody>
       </p:sp>
@@ -4452,14 +4072,14 @@
             <a:pPr>
               <a:defRPr/>
             </a:pPr>
-            <a:endParaRPr lang="en-US" smtClean="0"/>
+            <a:endParaRPr lang="en-US"/>
           </a:p>
           <a:p>
             <a:pPr algn="r">
               <a:defRPr/>
             </a:pPr>
             <a:r>
-              <a:rPr lang="en-US" sz="900" smtClean="0">
+              <a:rPr lang="en-US" sz="900">
                 <a:latin typeface="Arial Narrow" pitchFamily="34" charset="0"/>
               </a:rPr>
               <a:t>Slide </a:t>
@@ -4471,7 +4091,7 @@
               <a:pPr algn="r">
                 <a:defRPr/>
               </a:pPr>
-              <a:t>15</a:t>
+              <a:t>14</a:t>
             </a:fld>
             <a:endParaRPr lang="en-US" sz="900">
               <a:latin typeface="Arial Narrow" pitchFamily="34" charset="0"/>
@@ -4501,7 +4121,7 @@
           <a:graphicData uri="http://schemas.openxmlformats.org/presentationml/2006/ole">
             <mc:AlternateContent xmlns:mc="http://schemas.openxmlformats.org/markup-compatibility/2006">
               <mc:Choice xmlns:v="urn:schemas-microsoft-com:vml" Requires="v">
-                <p:oleObj spid="_x0000_s41987" name="Document" r:id="rId3" imgW="7301323" imgH="2835879" progId="Word.Document.12">
+                <p:oleObj spid="_x0000_s41989" name="Document" r:id="rId3" imgW="7301323" imgH="2835879" progId="Word.Document.12">
                   <p:embed/>
                 </p:oleObj>
               </mc:Choice>
@@ -4546,17 +4166,10 @@
   <p:clrMapOvr>
     <a:masterClrMapping/>
   </p:clrMapOvr>
-  <p:timing>
-    <p:tnLst>
-      <p:par>
-        <p:cTn xmlns:p14="http://schemas.microsoft.com/office/powerpoint/2010/main" id="1" dur="indefinite" restart="never" nodeType="tmRoot"/>
-      </p:par>
-    </p:tnLst>
-  </p:timing>
 </p:sld>
 </file>
 
-<file path=ppt/slides/slide16.xml><?xml version="1.0" encoding="utf-8"?>
+<file path=ppt/slides/slide15.xml><?xml version="1.0" encoding="utf-8"?>
 <p:sld xmlns:a="http://schemas.openxmlformats.org/drawingml/2006/main" xmlns:r="http://schemas.openxmlformats.org/officeDocument/2006/relationships" xmlns:p="http://schemas.openxmlformats.org/presentationml/2006/main">
   <p:cSld>
     <p:spTree>
@@ -4624,14 +4237,13 @@
               <a:defRPr/>
             </a:pPr>
             <a:r>
-              <a:rPr lang="en-US" dirty="0" err="1" smtClean="0"/>
+              <a:rPr lang="en-US" dirty="0" err="1"/>
               <a:t>Murach's</a:t>
             </a:r>
             <a:r>
-              <a:rPr lang="en-US" dirty="0" smtClean="0"/>
+              <a:rPr lang="en-US" dirty="0"/>
               <a:t> Android Programming (2nd Ed.), C4</a:t>
             </a:r>
-            <a:endParaRPr lang="en-US" dirty="0"/>
           </a:p>
         </p:txBody>
       </p:sp>
@@ -4654,10 +4266,9 @@
               <a:defRPr/>
             </a:pPr>
             <a:r>
-              <a:rPr lang="en-US" smtClean="0"/>
+              <a:rPr lang="en-US"/>
               <a:t>© 2015, Mike Murach &amp; Associates, Inc.</a:t>
             </a:r>
-            <a:endParaRPr lang="en-US"/>
           </a:p>
         </p:txBody>
       </p:sp>
@@ -4679,14 +4290,14 @@
             <a:pPr>
               <a:defRPr/>
             </a:pPr>
-            <a:endParaRPr lang="en-US" smtClean="0"/>
+            <a:endParaRPr lang="en-US"/>
           </a:p>
           <a:p>
             <a:pPr algn="r">
               <a:defRPr/>
             </a:pPr>
             <a:r>
-              <a:rPr lang="en-US" sz="900" smtClean="0">
+              <a:rPr lang="en-US" sz="900">
                 <a:latin typeface="Arial Narrow" pitchFamily="34" charset="0"/>
               </a:rPr>
               <a:t>Slide </a:t>
@@ -4698,7 +4309,7 @@
               <a:pPr algn="r">
                 <a:defRPr/>
               </a:pPr>
-              <a:t>16</a:t>
+              <a:t>15</a:t>
             </a:fld>
             <a:endParaRPr lang="en-US" sz="900">
               <a:latin typeface="Arial Narrow" pitchFamily="34" charset="0"/>
@@ -4751,17 +4362,10 @@
   <p:clrMapOvr>
     <a:masterClrMapping/>
   </p:clrMapOvr>
-  <p:timing>
-    <p:tnLst>
-      <p:par>
-        <p:cTn xmlns:p14="http://schemas.microsoft.com/office/powerpoint/2010/main" id="1" dur="indefinite" restart="never" nodeType="tmRoot"/>
-      </p:par>
-    </p:tnLst>
-  </p:timing>
 </p:sld>
 </file>
 
-<file path=ppt/slides/slide17.xml><?xml version="1.0" encoding="utf-8"?>
+<file path=ppt/slides/slide16.xml><?xml version="1.0" encoding="utf-8"?>
 <p:sld xmlns:a="http://schemas.openxmlformats.org/drawingml/2006/main" xmlns:r="http://schemas.openxmlformats.org/officeDocument/2006/relationships" xmlns:p="http://schemas.openxmlformats.org/presentationml/2006/main">
   <p:cSld>
     <p:spTree>
@@ -4829,14 +4433,13 @@
               <a:defRPr/>
             </a:pPr>
             <a:r>
-              <a:rPr lang="en-US" dirty="0" err="1" smtClean="0"/>
+              <a:rPr lang="en-US" dirty="0" err="1"/>
               <a:t>Murach's</a:t>
             </a:r>
             <a:r>
-              <a:rPr lang="en-US" dirty="0" smtClean="0"/>
+              <a:rPr lang="en-US" dirty="0"/>
               <a:t> Android Programming (2nd Ed.), C4</a:t>
             </a:r>
-            <a:endParaRPr lang="en-US" dirty="0"/>
           </a:p>
         </p:txBody>
       </p:sp>
@@ -4859,10 +4462,9 @@
               <a:defRPr/>
             </a:pPr>
             <a:r>
-              <a:rPr lang="en-US" smtClean="0"/>
+              <a:rPr lang="en-US"/>
               <a:t>© 2015, Mike Murach &amp; Associates, Inc.</a:t>
             </a:r>
-            <a:endParaRPr lang="en-US"/>
           </a:p>
         </p:txBody>
       </p:sp>
@@ -4884,14 +4486,14 @@
             <a:pPr>
               <a:defRPr/>
             </a:pPr>
-            <a:endParaRPr lang="en-US" smtClean="0"/>
+            <a:endParaRPr lang="en-US"/>
           </a:p>
           <a:p>
             <a:pPr algn="r">
               <a:defRPr/>
             </a:pPr>
             <a:r>
-              <a:rPr lang="en-US" sz="900" smtClean="0">
+              <a:rPr lang="en-US" sz="900">
                 <a:latin typeface="Arial Narrow" pitchFamily="34" charset="0"/>
               </a:rPr>
               <a:t>Slide </a:t>
@@ -4903,7 +4505,7 @@
               <a:pPr algn="r">
                 <a:defRPr/>
               </a:pPr>
-              <a:t>17</a:t>
+              <a:t>16</a:t>
             </a:fld>
             <a:endParaRPr lang="en-US" sz="900">
               <a:latin typeface="Arial Narrow" pitchFamily="34" charset="0"/>
@@ -4933,7 +4535,7 @@
           <a:graphicData uri="http://schemas.openxmlformats.org/presentationml/2006/ole">
             <mc:AlternateContent xmlns:mc="http://schemas.openxmlformats.org/markup-compatibility/2006">
               <mc:Choice xmlns:v="urn:schemas-microsoft-com:vml" Requires="v">
-                <p:oleObj spid="_x0000_s43011" name="Document" r:id="rId3" imgW="7301323" imgH="2037253" progId="Word.Document.12">
+                <p:oleObj spid="_x0000_s43013" name="Document" r:id="rId3" imgW="7301323" imgH="2037253" progId="Word.Document.12">
                   <p:embed/>
                 </p:oleObj>
               </mc:Choice>
@@ -4978,17 +4580,10 @@
   <p:clrMapOvr>
     <a:masterClrMapping/>
   </p:clrMapOvr>
-  <p:timing>
-    <p:tnLst>
-      <p:par>
-        <p:cTn xmlns:p14="http://schemas.microsoft.com/office/powerpoint/2010/main" id="1" dur="indefinite" restart="never" nodeType="tmRoot"/>
-      </p:par>
-    </p:tnLst>
-  </p:timing>
 </p:sld>
 </file>
 
-<file path=ppt/slides/slide18.xml><?xml version="1.0" encoding="utf-8"?>
+<file path=ppt/slides/slide17.xml><?xml version="1.0" encoding="utf-8"?>
 <p:sld xmlns:a="http://schemas.openxmlformats.org/drawingml/2006/main" xmlns:r="http://schemas.openxmlformats.org/officeDocument/2006/relationships" xmlns:p="http://schemas.openxmlformats.org/presentationml/2006/main">
   <p:cSld>
     <p:spTree>
@@ -5056,14 +4651,13 @@
               <a:defRPr/>
             </a:pPr>
             <a:r>
-              <a:rPr lang="en-US" dirty="0" err="1" smtClean="0"/>
+              <a:rPr lang="en-US" dirty="0" err="1"/>
               <a:t>Murach's</a:t>
             </a:r>
             <a:r>
-              <a:rPr lang="en-US" dirty="0" smtClean="0"/>
+              <a:rPr lang="en-US" dirty="0"/>
               <a:t> Android Programming (2nd Ed.), C4</a:t>
             </a:r>
-            <a:endParaRPr lang="en-US" dirty="0"/>
           </a:p>
         </p:txBody>
       </p:sp>
@@ -5086,10 +4680,9 @@
               <a:defRPr/>
             </a:pPr>
             <a:r>
-              <a:rPr lang="en-US" smtClean="0"/>
+              <a:rPr lang="en-US"/>
               <a:t>© 2015, Mike Murach &amp; Associates, Inc.</a:t>
             </a:r>
-            <a:endParaRPr lang="en-US"/>
           </a:p>
         </p:txBody>
       </p:sp>
@@ -5111,14 +4704,14 @@
             <a:pPr>
               <a:defRPr/>
             </a:pPr>
-            <a:endParaRPr lang="en-US" smtClean="0"/>
+            <a:endParaRPr lang="en-US"/>
           </a:p>
           <a:p>
             <a:pPr algn="r">
               <a:defRPr/>
             </a:pPr>
             <a:r>
-              <a:rPr lang="en-US" sz="900" smtClean="0">
+              <a:rPr lang="en-US" sz="900">
                 <a:latin typeface="Arial Narrow" pitchFamily="34" charset="0"/>
               </a:rPr>
               <a:t>Slide </a:t>
@@ -5130,7 +4723,7 @@
               <a:pPr algn="r">
                 <a:defRPr/>
               </a:pPr>
-              <a:t>18</a:t>
+              <a:t>17</a:t>
             </a:fld>
             <a:endParaRPr lang="en-US" sz="900">
               <a:latin typeface="Arial Narrow" pitchFamily="34" charset="0"/>
@@ -5183,17 +4776,10 @@
   <p:clrMapOvr>
     <a:masterClrMapping/>
   </p:clrMapOvr>
-  <p:timing>
-    <p:tnLst>
-      <p:par>
-        <p:cTn xmlns:p14="http://schemas.microsoft.com/office/powerpoint/2010/main" id="1" dur="indefinite" restart="never" nodeType="tmRoot"/>
-      </p:par>
-    </p:tnLst>
-  </p:timing>
 </p:sld>
 </file>
 
-<file path=ppt/slides/slide19.xml><?xml version="1.0" encoding="utf-8"?>
+<file path=ppt/slides/slide18.xml><?xml version="1.0" encoding="utf-8"?>
 <p:sld xmlns:a="http://schemas.openxmlformats.org/drawingml/2006/main" xmlns:r="http://schemas.openxmlformats.org/officeDocument/2006/relationships" xmlns:p="http://schemas.openxmlformats.org/presentationml/2006/main">
   <p:cSld>
     <p:spTree>
@@ -5261,14 +4847,13 @@
               <a:defRPr/>
             </a:pPr>
             <a:r>
-              <a:rPr lang="en-US" dirty="0" err="1" smtClean="0"/>
+              <a:rPr lang="en-US" dirty="0" err="1"/>
               <a:t>Murach's</a:t>
             </a:r>
             <a:r>
-              <a:rPr lang="en-US" dirty="0" smtClean="0"/>
+              <a:rPr lang="en-US" dirty="0"/>
               <a:t> Android Programming (2nd Ed.), C4</a:t>
             </a:r>
-            <a:endParaRPr lang="en-US" dirty="0"/>
           </a:p>
         </p:txBody>
       </p:sp>
@@ -5291,10 +4876,9 @@
               <a:defRPr/>
             </a:pPr>
             <a:r>
-              <a:rPr lang="en-US" smtClean="0"/>
+              <a:rPr lang="en-US"/>
               <a:t>© 2015, Mike Murach &amp; Associates, Inc.</a:t>
             </a:r>
-            <a:endParaRPr lang="en-US"/>
           </a:p>
         </p:txBody>
       </p:sp>
@@ -5316,14 +4900,14 @@
             <a:pPr>
               <a:defRPr/>
             </a:pPr>
-            <a:endParaRPr lang="en-US" smtClean="0"/>
+            <a:endParaRPr lang="en-US"/>
           </a:p>
           <a:p>
             <a:pPr algn="r">
               <a:defRPr/>
             </a:pPr>
             <a:r>
-              <a:rPr lang="en-US" sz="900" smtClean="0">
+              <a:rPr lang="en-US" sz="900">
                 <a:latin typeface="Arial Narrow" pitchFamily="34" charset="0"/>
               </a:rPr>
               <a:t>Slide </a:t>
@@ -5335,7 +4919,7 @@
               <a:pPr algn="r">
                 <a:defRPr/>
               </a:pPr>
-              <a:t>19</a:t>
+              <a:t>18</a:t>
             </a:fld>
             <a:endParaRPr lang="en-US" sz="900">
               <a:latin typeface="Arial Narrow" pitchFamily="34" charset="0"/>
@@ -5365,7 +4949,7 @@
           <a:graphicData uri="http://schemas.openxmlformats.org/presentationml/2006/ole">
             <mc:AlternateContent xmlns:mc="http://schemas.openxmlformats.org/markup-compatibility/2006">
               <mc:Choice xmlns:v="urn:schemas-microsoft-com:vml" Requires="v">
-                <p:oleObj spid="_x0000_s44035" name="Document" r:id="rId3" imgW="7301323" imgH="4854049" progId="Word.Document.12">
+                <p:oleObj spid="_x0000_s44037" name="Document" r:id="rId3" imgW="7301323" imgH="4854049" progId="Word.Document.12">
                   <p:embed/>
                 </p:oleObj>
               </mc:Choice>
@@ -5410,13 +4994,6 @@
   <p:clrMapOvr>
     <a:masterClrMapping/>
   </p:clrMapOvr>
-  <p:timing>
-    <p:tnLst>
-      <p:par>
-        <p:cTn xmlns:p14="http://schemas.microsoft.com/office/powerpoint/2010/main" id="1" dur="indefinite" restart="never" nodeType="tmRoot"/>
-      </p:par>
-    </p:tnLst>
-  </p:timing>
 </p:sld>
 </file>
 
@@ -5481,18 +5058,13 @@
           <a:p>
             <a:pPr algn="l"/>
             <a:r>
-              <a:rPr lang="en-US" sz="2800" b="1" dirty="0" smtClean="0">
+              <a:rPr lang="en-US" sz="2800" b="1" dirty="0">
                 <a:solidFill>
                   <a:schemeClr val="accent6"/>
                 </a:solidFill>
               </a:rPr>
               <a:t>Course Overview</a:t>
             </a:r>
-            <a:endParaRPr lang="en-US" sz="2800" b="1" dirty="0">
-              <a:solidFill>
-                <a:schemeClr val="accent6"/>
-              </a:solidFill>
-            </a:endParaRPr>
           </a:p>
         </p:txBody>
       </p:sp>
@@ -5522,8 +5094,20 @@
                 <a:tableStyleId>{5C22544A-7EE6-4342-B048-85BDC9FD1C3A}</a:tableStyleId>
               </a:tblPr>
               <a:tblGrid>
-                <a:gridCol w="587433"/>
-                <a:gridCol w="3451167"/>
+                <a:gridCol w="587433">
+                  <a:extLst>
+                    <a:ext uri="{9D8B030D-6E8A-4147-A177-3AD203B41FA5}">
+                      <a16:colId xmlns:a16="http://schemas.microsoft.com/office/drawing/2014/main" val="20000"/>
+                    </a:ext>
+                  </a:extLst>
+                </a:gridCol>
+                <a:gridCol w="3451167">
+                  <a:extLst>
+                    <a:ext uri="{9D8B030D-6E8A-4147-A177-3AD203B41FA5}">
+                      <a16:colId xmlns:a16="http://schemas.microsoft.com/office/drawing/2014/main" val="20001"/>
+                    </a:ext>
+                  </a:extLst>
+                </a:gridCol>
               </a:tblGrid>
               <a:tr h="428284">
                 <a:tc>
@@ -5532,10 +5116,9 @@
                     <a:lstStyle/>
                     <a:p>
                       <a:r>
-                        <a:rPr lang="en-US" dirty="0" smtClean="0"/>
+                        <a:rPr lang="en-US" dirty="0"/>
                         <a:t>Wk</a:t>
                       </a:r>
-                      <a:endParaRPr lang="en-US" dirty="0"/>
                     </a:p>
                   </a:txBody>
                   <a:tcPr/>
@@ -5546,14 +5129,18 @@
                     <a:lstStyle/>
                     <a:p>
                       <a:r>
-                        <a:rPr lang="en-US" dirty="0" smtClean="0"/>
+                        <a:rPr lang="en-US" dirty="0"/>
                         <a:t>Topic</a:t>
                       </a:r>
-                      <a:endParaRPr lang="en-US" dirty="0"/>
                     </a:p>
                   </a:txBody>
                   <a:tcPr/>
                 </a:tc>
+                <a:extLst>
+                  <a:ext uri="{0D108BD9-81ED-4DB2-BD59-A6C34878D82A}">
+                    <a16:rowId xmlns:a16="http://schemas.microsoft.com/office/drawing/2014/main" val="10000"/>
+                  </a:ext>
+                </a:extLst>
               </a:tr>
               <a:tr h="428284">
                 <a:tc>
@@ -5562,10 +5149,9 @@
                     <a:lstStyle/>
                     <a:p>
                       <a:r>
-                        <a:rPr lang="en-US" sz="2800" dirty="0" smtClean="0"/>
+                        <a:rPr lang="en-US" sz="2800" dirty="0"/>
                         <a:t>1</a:t>
                       </a:r>
-                      <a:endParaRPr lang="en-US" sz="2800" dirty="0"/>
                     </a:p>
                   </a:txBody>
                   <a:tcPr>
@@ -5597,7 +5183,7 @@
                         <a:defRPr/>
                       </a:pPr>
                       <a:r>
-                        <a:rPr lang="en-US" sz="2800" dirty="0" smtClean="0"/>
+                        <a:rPr lang="en-US" sz="2800" dirty="0"/>
                         <a:t>Intro + </a:t>
                       </a:r>
                     </a:p>
@@ -5620,7 +5206,7 @@
                         <a:defRPr/>
                       </a:pPr>
                       <a:r>
-                        <a:rPr lang="en-US" sz="2800" u="sng" dirty="0" smtClean="0"/>
+                        <a:rPr lang="en-US" sz="2800" u="sng" dirty="0"/>
                         <a:t>single-screen apps</a:t>
                       </a:r>
                     </a:p>
@@ -5631,6 +5217,11 @@
                     </a:solidFill>
                   </a:tcPr>
                 </a:tc>
+                <a:extLst>
+                  <a:ext uri="{0D108BD9-81ED-4DB2-BD59-A6C34878D82A}">
+                    <a16:rowId xmlns:a16="http://schemas.microsoft.com/office/drawing/2014/main" val="10001"/>
+                  </a:ext>
+                </a:extLst>
               </a:tr>
               <a:tr h="472440">
                 <a:tc>
@@ -5639,10 +5230,9 @@
                     <a:lstStyle/>
                     <a:p>
                       <a:r>
-                        <a:rPr lang="en-US" sz="2800" dirty="0" smtClean="0"/>
+                        <a:rPr lang="en-US" sz="2800" dirty="0"/>
                         <a:t>1</a:t>
                       </a:r>
-                      <a:endParaRPr lang="en-US" sz="2800" dirty="0"/>
                     </a:p>
                   </a:txBody>
                   <a:tcPr>
@@ -5677,7 +5267,7 @@
                         <a:defRPr/>
                       </a:pPr>
                       <a:r>
-                        <a:rPr lang="en-US" sz="2800" dirty="0" smtClean="0"/>
+                        <a:rPr lang="en-US" sz="2800" dirty="0"/>
                         <a:t>Activity Lifecycle +</a:t>
                       </a:r>
                     </a:p>
@@ -5691,6 +5281,11 @@
                     </a:solidFill>
                   </a:tcPr>
                 </a:tc>
+                <a:extLst>
+                  <a:ext uri="{0D108BD9-81ED-4DB2-BD59-A6C34878D82A}">
+                    <a16:rowId xmlns:a16="http://schemas.microsoft.com/office/drawing/2014/main" val="10002"/>
+                  </a:ext>
+                </a:extLst>
               </a:tr>
               <a:tr h="472440">
                 <a:tc>
@@ -5699,10 +5294,9 @@
                     <a:lstStyle/>
                     <a:p>
                       <a:r>
-                        <a:rPr lang="en-US" sz="2800" dirty="0" smtClean="0"/>
+                        <a:rPr lang="en-US" sz="2800" dirty="0"/>
                         <a:t>1</a:t>
                       </a:r>
-                      <a:endParaRPr lang="en-US" sz="2800" dirty="0"/>
                     </a:p>
                   </a:txBody>
                   <a:tcPr>
@@ -5734,18 +5328,18 @@
                         <a:defRPr/>
                       </a:pPr>
                       <a:r>
-                        <a:rPr lang="en-US" sz="2800" dirty="0" smtClean="0"/>
+                        <a:rPr lang="en-US" sz="2800" dirty="0"/>
                         <a:t>Saving</a:t>
                       </a:r>
                       <a:r>
-                        <a:rPr lang="en-US" sz="2800" baseline="0" dirty="0" smtClean="0"/>
+                        <a:rPr lang="en-US" sz="2800" baseline="0" dirty="0"/>
                         <a:t> activity state </a:t>
                       </a:r>
                       <a:r>
-                        <a:rPr lang="en-US" sz="2800" u="sng" baseline="0" dirty="0" smtClean="0"/>
+                        <a:rPr lang="en-US" sz="2800" u="sng" baseline="0" dirty="0"/>
                         <a:t>and more</a:t>
                       </a:r>
-                      <a:endParaRPr lang="en-US" sz="2800" u="sng" dirty="0" smtClean="0"/>
+                      <a:endParaRPr lang="en-US" sz="2800" u="sng" dirty="0"/>
                     </a:p>
                   </a:txBody>
                   <a:tcPr>
@@ -5754,6 +5348,11 @@
                     </a:solidFill>
                   </a:tcPr>
                 </a:tc>
+                <a:extLst>
+                  <a:ext uri="{0D108BD9-81ED-4DB2-BD59-A6C34878D82A}">
+                    <a16:rowId xmlns:a16="http://schemas.microsoft.com/office/drawing/2014/main" val="10003"/>
+                  </a:ext>
+                </a:extLst>
               </a:tr>
               <a:tr h="428284">
                 <a:tc>
@@ -5762,10 +5361,9 @@
                     <a:lstStyle/>
                     <a:p>
                       <a:r>
-                        <a:rPr lang="en-US" sz="2800" dirty="0" smtClean="0"/>
+                        <a:rPr lang="en-US" sz="2800" dirty="0"/>
                         <a:t>2</a:t>
                       </a:r>
-                      <a:endParaRPr lang="en-US" sz="2800" dirty="0"/>
                     </a:p>
                   </a:txBody>
                   <a:tcPr/>
@@ -5793,14 +5391,19 @@
                         <a:defRPr/>
                       </a:pPr>
                       <a:r>
-                        <a:rPr lang="en-US" sz="2800" baseline="0" dirty="0" smtClean="0"/>
+                        <a:rPr lang="en-US" sz="2800" baseline="0" dirty="0"/>
                         <a:t>Menus + Themes</a:t>
                       </a:r>
-                      <a:endParaRPr lang="en-US" sz="2800" dirty="0" smtClean="0"/>
+                      <a:endParaRPr lang="en-US" sz="2800" dirty="0"/>
                     </a:p>
                   </a:txBody>
                   <a:tcPr/>
                 </a:tc>
+                <a:extLst>
+                  <a:ext uri="{0D108BD9-81ED-4DB2-BD59-A6C34878D82A}">
+                    <a16:rowId xmlns:a16="http://schemas.microsoft.com/office/drawing/2014/main" val="10004"/>
+                  </a:ext>
+                </a:extLst>
               </a:tr>
               <a:tr h="856568">
                 <a:tc>
@@ -5809,10 +5412,9 @@
                     <a:lstStyle/>
                     <a:p>
                       <a:r>
-                        <a:rPr lang="en-US" sz="2800" dirty="0" smtClean="0"/>
+                        <a:rPr lang="en-US" sz="2800" dirty="0"/>
                         <a:t>2</a:t>
                       </a:r>
-                      <a:endParaRPr lang="en-US" sz="2800" dirty="0"/>
                     </a:p>
                   </a:txBody>
                   <a:tcPr/>
@@ -5840,14 +5442,14 @@
                         <a:defRPr/>
                       </a:pPr>
                       <a:r>
-                        <a:rPr lang="en-US" sz="2800" dirty="0" smtClean="0"/>
+                        <a:rPr lang="en-US" sz="2800" dirty="0"/>
                         <a:t>Multi-screen</a:t>
                       </a:r>
                       <a:r>
-                        <a:rPr lang="en-US" sz="2800" baseline="0" dirty="0" smtClean="0"/>
+                        <a:rPr lang="en-US" sz="2800" baseline="0" dirty="0"/>
                         <a:t> apps +</a:t>
                       </a:r>
-                      <a:endParaRPr lang="en-US" sz="2800" dirty="0" smtClean="0"/>
+                      <a:endParaRPr lang="en-US" sz="2800" dirty="0"/>
                     </a:p>
                     <a:p>
                       <a:pPr marL="0" marR="0" indent="0" algn="l" defTabSz="457200" rtl="0" eaLnBrk="1" fontAlgn="auto" latinLnBrk="0" hangingPunct="1">
@@ -5868,13 +5470,18 @@
                         <a:defRPr/>
                       </a:pPr>
                       <a:r>
-                        <a:rPr lang="en-US" sz="2800" dirty="0" smtClean="0"/>
+                        <a:rPr lang="en-US" sz="2800" dirty="0"/>
                         <a:t>Fragments</a:t>
                       </a:r>
                     </a:p>
                   </a:txBody>
                   <a:tcPr/>
                 </a:tc>
+                <a:extLst>
+                  <a:ext uri="{0D108BD9-81ED-4DB2-BD59-A6C34878D82A}">
+                    <a16:rowId xmlns:a16="http://schemas.microsoft.com/office/drawing/2014/main" val="10005"/>
+                  </a:ext>
+                </a:extLst>
               </a:tr>
             </a:tbl>
           </a:graphicData>
@@ -5906,8 +5513,20 @@
                 <a:tableStyleId>{5C22544A-7EE6-4342-B048-85BDC9FD1C3A}</a:tableStyleId>
               </a:tblPr>
               <a:tblGrid>
-                <a:gridCol w="546192"/>
-                <a:gridCol w="3416208"/>
+                <a:gridCol w="546192">
+                  <a:extLst>
+                    <a:ext uri="{9D8B030D-6E8A-4147-A177-3AD203B41FA5}">
+                      <a16:colId xmlns:a16="http://schemas.microsoft.com/office/drawing/2014/main" val="20000"/>
+                    </a:ext>
+                  </a:extLst>
+                </a:gridCol>
+                <a:gridCol w="3416208">
+                  <a:extLst>
+                    <a:ext uri="{9D8B030D-6E8A-4147-A177-3AD203B41FA5}">
+                      <a16:colId xmlns:a16="http://schemas.microsoft.com/office/drawing/2014/main" val="20001"/>
+                    </a:ext>
+                  </a:extLst>
+                </a:gridCol>
               </a:tblGrid>
               <a:tr h="375862">
                 <a:tc>
@@ -5916,10 +5535,9 @@
                     <a:lstStyle/>
                     <a:p>
                       <a:r>
-                        <a:rPr lang="en-US" dirty="0" smtClean="0"/>
+                        <a:rPr lang="en-US" dirty="0"/>
                         <a:t>Wk</a:t>
                       </a:r>
-                      <a:endParaRPr lang="en-US" dirty="0"/>
                     </a:p>
                   </a:txBody>
                   <a:tcPr/>
@@ -5930,14 +5548,18 @@
                     <a:lstStyle/>
                     <a:p>
                       <a:r>
-                        <a:rPr lang="en-US" dirty="0" smtClean="0"/>
+                        <a:rPr lang="en-US" dirty="0"/>
                         <a:t>Topic</a:t>
                       </a:r>
-                      <a:endParaRPr lang="en-US" dirty="0"/>
                     </a:p>
                   </a:txBody>
                   <a:tcPr/>
                 </a:tc>
+                <a:extLst>
+                  <a:ext uri="{0D108BD9-81ED-4DB2-BD59-A6C34878D82A}">
+                    <a16:rowId xmlns:a16="http://schemas.microsoft.com/office/drawing/2014/main" val="10000"/>
+                  </a:ext>
+                </a:extLst>
               </a:tr>
               <a:tr h="957676">
                 <a:tc>
@@ -5946,10 +5568,9 @@
                     <a:lstStyle/>
                     <a:p>
                       <a:r>
-                        <a:rPr lang="en-US" sz="2800" dirty="0" smtClean="0"/>
+                        <a:rPr lang="en-US" sz="2800" dirty="0"/>
                         <a:t>3</a:t>
                       </a:r>
-                      <a:endParaRPr lang="en-US" sz="2800" dirty="0"/>
                     </a:p>
                   </a:txBody>
                   <a:tcPr/>
@@ -5977,14 +5598,19 @@
                         <a:defRPr/>
                       </a:pPr>
                       <a:r>
-                        <a:rPr lang="en-US" sz="2800" baseline="0" dirty="0" smtClean="0"/>
+                        <a:rPr lang="en-US" sz="2800" baseline="0" dirty="0"/>
                         <a:t>Reading XML files + Asynch Tasks</a:t>
                       </a:r>
-                      <a:endParaRPr lang="en-US" sz="2800" dirty="0" smtClean="0"/>
+                      <a:endParaRPr lang="en-US" sz="2800" dirty="0"/>
                     </a:p>
                   </a:txBody>
                   <a:tcPr/>
                 </a:tc>
+                <a:extLst>
+                  <a:ext uri="{0D108BD9-81ED-4DB2-BD59-A6C34878D82A}">
+                    <a16:rowId xmlns:a16="http://schemas.microsoft.com/office/drawing/2014/main" val="10001"/>
+                  </a:ext>
+                </a:extLst>
               </a:tr>
               <a:tr h="525177">
                 <a:tc>
@@ -5993,10 +5619,9 @@
                     <a:lstStyle/>
                     <a:p>
                       <a:r>
-                        <a:rPr lang="en-US" sz="2800" dirty="0" smtClean="0"/>
+                        <a:rPr lang="en-US" sz="2800" dirty="0"/>
                         <a:t>3</a:t>
                       </a:r>
-                      <a:endParaRPr lang="en-US" sz="2800" dirty="0"/>
                     </a:p>
                   </a:txBody>
                   <a:tcPr/>
@@ -6024,13 +5649,18 @@
                         <a:defRPr/>
                       </a:pPr>
                       <a:r>
-                        <a:rPr lang="en-US" sz="2800" dirty="0" smtClean="0"/>
+                        <a:rPr lang="en-US" sz="2800" dirty="0"/>
                         <a:t>List Views</a:t>
                       </a:r>
                     </a:p>
                   </a:txBody>
                   <a:tcPr/>
                 </a:tc>
+                <a:extLst>
+                  <a:ext uri="{0D108BD9-81ED-4DB2-BD59-A6C34878D82A}">
+                    <a16:rowId xmlns:a16="http://schemas.microsoft.com/office/drawing/2014/main" val="10002"/>
+                  </a:ext>
+                </a:extLst>
               </a:tr>
               <a:tr h="525177">
                 <a:tc>
@@ -6039,10 +5669,9 @@
                     <a:lstStyle/>
                     <a:p>
                       <a:r>
-                        <a:rPr lang="en-US" sz="2800" dirty="0" smtClean="0"/>
+                        <a:rPr lang="en-US" sz="2800" dirty="0"/>
                         <a:t>3</a:t>
                       </a:r>
-                      <a:endParaRPr lang="en-US" sz="2800" dirty="0"/>
                     </a:p>
                   </a:txBody>
                   <a:tcPr/>
@@ -6070,18 +5699,23 @@
                         <a:defRPr/>
                       </a:pPr>
                       <a:r>
-                        <a:rPr lang="en-US" sz="2800" dirty="0" smtClean="0"/>
+                        <a:rPr lang="en-US" sz="2800" dirty="0"/>
                         <a:t>SQLite</a:t>
                       </a:r>
                       <a:r>
-                        <a:rPr lang="en-US" sz="2800" baseline="0" dirty="0" smtClean="0"/>
+                        <a:rPr lang="en-US" sz="2800" baseline="0" dirty="0"/>
                         <a:t> Database</a:t>
                       </a:r>
-                      <a:endParaRPr lang="en-US" sz="2800" dirty="0" smtClean="0"/>
+                      <a:endParaRPr lang="en-US" sz="2800" dirty="0"/>
                     </a:p>
                   </a:txBody>
                   <a:tcPr/>
                 </a:tc>
+                <a:extLst>
+                  <a:ext uri="{0D108BD9-81ED-4DB2-BD59-A6C34878D82A}">
+                    <a16:rowId xmlns:a16="http://schemas.microsoft.com/office/drawing/2014/main" val="10003"/>
+                  </a:ext>
+                </a:extLst>
               </a:tr>
               <a:tr h="957676">
                 <a:tc>
@@ -6090,10 +5724,9 @@
                     <a:lstStyle/>
                     <a:p>
                       <a:r>
-                        <a:rPr lang="en-US" sz="2800" dirty="0" smtClean="0"/>
+                        <a:rPr lang="en-US" sz="2800" dirty="0"/>
                         <a:t>4</a:t>
                       </a:r>
-                      <a:endParaRPr lang="en-US" sz="2800" dirty="0"/>
                     </a:p>
                   </a:txBody>
                   <a:tcPr/>
@@ -6121,13 +5754,18 @@
                         <a:defRPr/>
                       </a:pPr>
                       <a:r>
-                        <a:rPr lang="en-US" sz="2800" dirty="0" smtClean="0"/>
+                        <a:rPr lang="en-US" sz="2800" dirty="0"/>
                         <a:t>Consuming a web service</a:t>
                       </a:r>
                     </a:p>
                   </a:txBody>
                   <a:tcPr/>
                 </a:tc>
+                <a:extLst>
+                  <a:ext uri="{0D108BD9-81ED-4DB2-BD59-A6C34878D82A}">
+                    <a16:rowId xmlns:a16="http://schemas.microsoft.com/office/drawing/2014/main" val="10004"/>
+                  </a:ext>
+                </a:extLst>
               </a:tr>
               <a:tr h="525177">
                 <a:tc>
@@ -6136,10 +5774,9 @@
                     <a:lstStyle/>
                     <a:p>
                       <a:r>
-                        <a:rPr lang="en-US" sz="2800" dirty="0" smtClean="0"/>
+                        <a:rPr lang="en-US" sz="2800" dirty="0"/>
                         <a:t>4</a:t>
                       </a:r>
-                      <a:endParaRPr lang="en-US" sz="2800" dirty="0"/>
                     </a:p>
                   </a:txBody>
                   <a:tcPr/>
@@ -6167,13 +5804,18 @@
                         <a:defRPr/>
                       </a:pPr>
                       <a:r>
-                        <a:rPr lang="en-US" sz="2800" dirty="0" smtClean="0"/>
+                        <a:rPr lang="en-US" sz="2800" dirty="0"/>
                         <a:t>Geolocation</a:t>
                       </a:r>
                     </a:p>
                   </a:txBody>
                   <a:tcPr/>
                 </a:tc>
+                <a:extLst>
+                  <a:ext uri="{0D108BD9-81ED-4DB2-BD59-A6C34878D82A}">
+                    <a16:rowId xmlns:a16="http://schemas.microsoft.com/office/drawing/2014/main" val="10005"/>
+                  </a:ext>
+                </a:extLst>
               </a:tr>
             </a:tbl>
           </a:graphicData>
@@ -6189,13 +5831,6 @@
   <p:clrMapOvr>
     <a:masterClrMapping/>
   </p:clrMapOvr>
-  <p:timing>
-    <p:tnLst>
-      <p:par>
-        <p:cTn xmlns:p14="http://schemas.microsoft.com/office/powerpoint/2010/main" id="1" dur="indefinite" restart="never" nodeType="tmRoot"/>
-      </p:par>
-    </p:tnLst>
-  </p:timing>
 </p:sld>
 </file>
 
@@ -6258,10 +5893,9 @@
           <a:lstStyle/>
           <a:p>
             <a:r>
-              <a:rPr lang="en-US" dirty="0" smtClean="0"/>
+              <a:rPr lang="en-US" dirty="0"/>
               <a:t>Testing</a:t>
             </a:r>
-            <a:endParaRPr lang="en-US" dirty="0"/>
           </a:p>
         </p:txBody>
       </p:sp>
@@ -6289,14 +5923,13 @@
               <a:defRPr/>
             </a:pPr>
             <a:r>
-              <a:rPr lang="en-US" dirty="0" err="1" smtClean="0"/>
+              <a:rPr lang="en-US" dirty="0" err="1"/>
               <a:t>Murach's</a:t>
             </a:r>
             <a:r>
-              <a:rPr lang="en-US" dirty="0" smtClean="0"/>
+              <a:rPr lang="en-US" dirty="0"/>
               <a:t> Android Programming (2nd Ed.), C4</a:t>
             </a:r>
-            <a:endParaRPr lang="en-US" dirty="0"/>
           </a:p>
         </p:txBody>
       </p:sp>
@@ -6319,14 +5952,9 @@
               <a:defRPr/>
             </a:pPr>
             <a:r>
-              <a:rPr lang="en-US" dirty="0" smtClean="0"/>
-              <a:t>© 2015, Mike Murach &amp; Associates, Inc</a:t>
-            </a:r>
-            <a:r>
-              <a:rPr lang="en-US" dirty="0" smtClean="0"/>
-              <a:t>. – Revised by Brian Bird 2016</a:t>
-            </a:r>
-            <a:endParaRPr lang="en-US" dirty="0"/>
+              <a:rPr lang="en-US" dirty="0"/>
+              <a:t>© 2015, Mike Murach &amp; Associates, Inc. – Revised by Brian Bird 2016</a:t>
+            </a:r>
           </a:p>
         </p:txBody>
       </p:sp>
@@ -6348,14 +5976,14 @@
             <a:pPr>
               <a:defRPr/>
             </a:pPr>
-            <a:endParaRPr lang="en-US" smtClean="0"/>
+            <a:endParaRPr lang="en-US"/>
           </a:p>
           <a:p>
             <a:pPr algn="r">
               <a:defRPr/>
             </a:pPr>
             <a:r>
-              <a:rPr lang="en-US" sz="900" smtClean="0">
+              <a:rPr lang="en-US" sz="900">
                 <a:latin typeface="Arial Narrow" pitchFamily="34" charset="0"/>
               </a:rPr>
               <a:t>Slide </a:t>
@@ -6397,7 +6025,7 @@
           <a:graphicData uri="http://schemas.openxmlformats.org/presentationml/2006/ole">
             <mc:AlternateContent xmlns:mc="http://schemas.openxmlformats.org/markup-compatibility/2006">
               <mc:Choice xmlns:v="urn:schemas-microsoft-com:vml" Requires="v">
-                <p:oleObj spid="_x0000_s1028" name="Document" r:id="rId3" imgW="7301323" imgH="1065435" progId="Word.Document.12">
+                <p:oleObj spid="_x0000_s1030" name="Document" r:id="rId3" imgW="7301323" imgH="1065435" progId="Word.Document.12">
                   <p:embed/>
                 </p:oleObj>
               </mc:Choice>
@@ -6454,14 +6082,14 @@
           </a:ln>
           <a:extLst>
             <a:ext uri="{909E8E84-426E-40dd-AFC4-6F175D3DCCD1}">
-              <a14:hiddenFill xmlns:a14="http://schemas.microsoft.com/office/drawing/2010/main">
+              <a14:hiddenFill xmlns:a14="http://schemas.microsoft.com/office/drawing/2010/main" xmlns="">
                 <a:solidFill>
                   <a:srgbClr val="FFFFFF"/>
                 </a:solidFill>
               </a14:hiddenFill>
             </a:ext>
             <a:ext uri="{91240B29-F687-4f45-9708-019B960494DF}">
-              <a14:hiddenLine xmlns:a14="http://schemas.microsoft.com/office/drawing/2010/main" w="9525">
+              <a14:hiddenLine xmlns:a14="http://schemas.microsoft.com/office/drawing/2010/main" xmlns="" w="9525">
                 <a:solidFill>
                   <a:srgbClr val="000000"/>
                 </a:solidFill>
@@ -6611,18 +6239,13 @@
           </a:lstStyle>
           <a:p>
             <a:r>
-              <a:rPr lang="en-US" sz="2000" dirty="0" smtClean="0">
+              <a:rPr lang="en-US" sz="2000" dirty="0">
                 <a:solidFill>
                   <a:schemeClr val="tx1"/>
                 </a:solidFill>
               </a:rPr>
               <a:t>Testing vs. Debugging</a:t>
             </a:r>
-            <a:endParaRPr lang="en-US" sz="2000" dirty="0">
-              <a:solidFill>
-                <a:schemeClr val="tx1"/>
-              </a:solidFill>
-            </a:endParaRPr>
           </a:p>
         </p:txBody>
       </p:sp>
@@ -6636,13 +6259,6 @@
   <p:clrMapOvr>
     <a:masterClrMapping/>
   </p:clrMapOvr>
-  <p:timing>
-    <p:tnLst>
-      <p:par>
-        <p:cTn xmlns:p14="http://schemas.microsoft.com/office/powerpoint/2010/main" id="1" dur="indefinite" restart="never" nodeType="tmRoot"/>
-      </p:par>
-    </p:tnLst>
-  </p:timing>
 </p:sld>
 </file>
 
@@ -6714,14 +6330,13 @@
               <a:defRPr/>
             </a:pPr>
             <a:r>
-              <a:rPr lang="en-US" dirty="0" err="1" smtClean="0"/>
+              <a:rPr lang="en-US" dirty="0" err="1"/>
               <a:t>Murach's</a:t>
             </a:r>
             <a:r>
-              <a:rPr lang="en-US" dirty="0" smtClean="0"/>
+              <a:rPr lang="en-US" dirty="0"/>
               <a:t> Android Programming (2nd Ed.), C4</a:t>
             </a:r>
-            <a:endParaRPr lang="en-US" dirty="0"/>
           </a:p>
         </p:txBody>
       </p:sp>
@@ -6744,10 +6359,9 @@
               <a:defRPr/>
             </a:pPr>
             <a:r>
-              <a:rPr lang="en-US" smtClean="0"/>
+              <a:rPr lang="en-US"/>
               <a:t>© 2015, Mike Murach &amp; Associates, Inc.</a:t>
             </a:r>
-            <a:endParaRPr lang="en-US"/>
           </a:p>
         </p:txBody>
       </p:sp>
@@ -6769,14 +6383,14 @@
             <a:pPr>
               <a:defRPr/>
             </a:pPr>
-            <a:endParaRPr lang="en-US" smtClean="0"/>
+            <a:endParaRPr lang="en-US"/>
           </a:p>
           <a:p>
             <a:pPr algn="r">
               <a:defRPr/>
             </a:pPr>
             <a:r>
-              <a:rPr lang="en-US" sz="900" smtClean="0">
+              <a:rPr lang="en-US" sz="900">
                 <a:latin typeface="Arial Narrow" pitchFamily="34" charset="0"/>
               </a:rPr>
               <a:t>Slide </a:t>
@@ -6818,7 +6432,7 @@
           <a:graphicData uri="http://schemas.openxmlformats.org/presentationml/2006/ole">
             <mc:AlternateContent xmlns:mc="http://schemas.openxmlformats.org/markup-compatibility/2006">
               <mc:Choice xmlns:v="urn:schemas-microsoft-com:vml" Requires="v">
-                <p:oleObj spid="_x0000_s36867" name="Document" r:id="rId3" imgW="7301323" imgH="4191528" progId="Word.Document.12">
+                <p:oleObj spid="_x0000_s36869" name="Document" r:id="rId3" imgW="7301323" imgH="4191528" progId="Word.Document.12">
                   <p:embed/>
                 </p:oleObj>
               </mc:Choice>
@@ -6863,13 +6477,6 @@
   <p:clrMapOvr>
     <a:masterClrMapping/>
   </p:clrMapOvr>
-  <p:timing>
-    <p:tnLst>
-      <p:par>
-        <p:cTn xmlns:p14="http://schemas.microsoft.com/office/powerpoint/2010/main" id="1" dur="indefinite" restart="never" nodeType="tmRoot"/>
-      </p:par>
-    </p:tnLst>
-  </p:timing>
 </p:sld>
 </file>
 
@@ -6900,125 +6507,6 @@
             <p:ph type="title"/>
           </p:nvPr>
         </p:nvSpPr>
-        <p:spPr/>
-        <p:txBody>
-          <a:bodyPr/>
-          <a:lstStyle/>
-          <a:p>
-            <a:r>
-              <a:rPr lang="en-US" dirty="0" smtClean="0"/>
-              <a:t>Xamarin Test Cloud</a:t>
-            </a:r>
-            <a:endParaRPr lang="en-US" dirty="0"/>
-          </a:p>
-        </p:txBody>
-      </p:sp>
-      <p:pic>
-        <p:nvPicPr>
-          <p:cNvPr id="6" name="Picture 5"/>
-          <p:cNvPicPr>
-            <a:picLocks noChangeAspect="1"/>
-          </p:cNvPicPr>
-          <p:nvPr/>
-        </p:nvPicPr>
-        <p:blipFill>
-          <a:blip r:embed="rId3"/>
-          <a:stretch>
-            <a:fillRect/>
-          </a:stretch>
-        </p:blipFill>
-        <p:spPr>
-          <a:xfrm>
-            <a:off x="838200" y="1371600"/>
-            <a:ext cx="7675803" cy="4263139"/>
-          </a:xfrm>
-          <a:prstGeom prst="rect">
-            <a:avLst/>
-          </a:prstGeom>
-        </p:spPr>
-      </p:pic>
-      <p:sp>
-        <p:nvSpPr>
-          <p:cNvPr id="7" name="TextBox 6"/>
-          <p:cNvSpPr txBox="1"/>
-          <p:nvPr/>
-        </p:nvSpPr>
-        <p:spPr>
-          <a:xfrm>
-            <a:off x="838200" y="5867400"/>
-            <a:ext cx="4800600" cy="461665"/>
-          </a:xfrm>
-          <a:prstGeom prst="rect">
-            <a:avLst/>
-          </a:prstGeom>
-          <a:noFill/>
-        </p:spPr>
-        <p:txBody>
-          <a:bodyPr wrap="square" rtlCol="0">
-            <a:spAutoFit/>
-          </a:bodyPr>
-          <a:lstStyle/>
-          <a:p>
-            <a:r>
-              <a:rPr lang="en-US" dirty="0">
-                <a:hlinkClick r:id="rId4"/>
-              </a:rPr>
-              <a:t>https://www.xamarin.com/test-</a:t>
-            </a:r>
-            <a:r>
-              <a:rPr lang="en-US" dirty="0" smtClean="0">
-                <a:hlinkClick r:id="rId4"/>
-              </a:rPr>
-              <a:t>cloud</a:t>
-            </a:r>
-            <a:r>
-              <a:rPr lang="en-US" dirty="0" smtClean="0"/>
-              <a:t> </a:t>
-            </a:r>
-            <a:endParaRPr lang="en-US" dirty="0"/>
-          </a:p>
-        </p:txBody>
-      </p:sp>
-    </p:spTree>
-    <p:extLst>
-      <p:ext uri="{BB962C8B-B14F-4D97-AF65-F5344CB8AC3E}">
-        <p14:creationId xmlns:p14="http://schemas.microsoft.com/office/powerpoint/2010/main" val="1256718278"/>
-      </p:ext>
-    </p:extLst>
-  </p:cSld>
-  <p:clrMapOvr>
-    <a:masterClrMapping/>
-  </p:clrMapOvr>
-</p:sld>
-</file>
-
-<file path=ppt/slides/slide6.xml><?xml version="1.0" encoding="utf-8"?>
-<p:sld xmlns:a="http://schemas.openxmlformats.org/drawingml/2006/main" xmlns:r="http://schemas.openxmlformats.org/officeDocument/2006/relationships" xmlns:p="http://schemas.openxmlformats.org/presentationml/2006/main">
-  <p:cSld>
-    <p:spTree>
-      <p:nvGrpSpPr>
-        <p:cNvPr id="1" name=""/>
-        <p:cNvGrpSpPr/>
-        <p:nvPr/>
-      </p:nvGrpSpPr>
-      <p:grpSpPr>
-        <a:xfrm>
-          <a:off x="0" y="0"/>
-          <a:ext cx="0" cy="0"/>
-          <a:chOff x="0" y="0"/>
-          <a:chExt cx="0" cy="0"/>
-        </a:xfrm>
-      </p:grpSpPr>
-      <p:sp>
-        <p:nvSpPr>
-          <p:cNvPr id="2" name="Title 1"/>
-          <p:cNvSpPr>
-            <a:spLocks noGrp="1"/>
-          </p:cNvSpPr>
-          <p:nvPr>
-            <p:ph type="title"/>
-          </p:nvPr>
-        </p:nvSpPr>
         <p:spPr>
           <a:xfrm>
             <a:off x="914400" y="685800"/>
@@ -7033,20 +6521,12 @@
               <a:rPr lang="en-US" dirty="0"/>
               <a:t>A layout in the graphical editor displayed </a:t>
             </a:r>
-            <a:r>
-              <a:rPr lang="en-US" dirty="0" smtClean="0"/>
-              <a:t/>
-            </a:r>
             <a:br>
-              <a:rPr lang="en-US" dirty="0" smtClean="0"/>
+              <a:rPr lang="en-US" dirty="0"/>
             </a:br>
             <a:r>
-              <a:rPr lang="en-US" dirty="0" smtClean="0"/>
-              <a:t>by </a:t>
-            </a:r>
-            <a:r>
               <a:rPr lang="en-US" dirty="0"/>
-              <a:t>Android 4.1.2 (API 16)</a:t>
+              <a:t>by Android 4.1.2 (API 16)</a:t>
             </a:r>
           </a:p>
         </p:txBody>
@@ -7075,10 +6555,9 @@
               <a:defRPr/>
             </a:pPr>
             <a:r>
-              <a:rPr lang="en-US" smtClean="0"/>
+              <a:rPr lang="en-US"/>
               <a:t>Murach's Android Programming (2nd Ed.), C4</a:t>
             </a:r>
-            <a:endParaRPr lang="en-US"/>
           </a:p>
         </p:txBody>
       </p:sp>
@@ -7101,10 +6580,9 @@
               <a:defRPr/>
             </a:pPr>
             <a:r>
-              <a:rPr lang="en-US" smtClean="0"/>
+              <a:rPr lang="en-US"/>
               <a:t>© 2015, Mike Murach &amp; Associates, Inc.</a:t>
             </a:r>
-            <a:endParaRPr lang="en-US"/>
           </a:p>
         </p:txBody>
       </p:sp>
@@ -7126,14 +6604,14 @@
             <a:pPr>
               <a:defRPr/>
             </a:pPr>
-            <a:endParaRPr lang="en-US" smtClean="0"/>
+            <a:endParaRPr lang="en-US"/>
           </a:p>
           <a:p>
             <a:pPr algn="r">
               <a:defRPr/>
             </a:pPr>
             <a:r>
-              <a:rPr lang="en-US" sz="900" smtClean="0">
+              <a:rPr lang="en-US" sz="900">
                 <a:latin typeface="Arial Narrow" pitchFamily="34" charset="0"/>
               </a:rPr>
               <a:t>Slide </a:t>
@@ -7145,7 +6623,7 @@
               <a:pPr algn="r">
                 <a:defRPr/>
               </a:pPr>
-              <a:t>6</a:t>
+              <a:t>5</a:t>
             </a:fld>
             <a:endParaRPr lang="en-US" sz="900">
               <a:latin typeface="Arial Narrow" pitchFamily="34" charset="0"/>
@@ -7198,17 +6676,10 @@
   <p:clrMapOvr>
     <a:masterClrMapping/>
   </p:clrMapOvr>
-  <p:timing>
-    <p:tnLst>
-      <p:par>
-        <p:cTn xmlns:p14="http://schemas.microsoft.com/office/powerpoint/2010/main" id="1" dur="indefinite" restart="never" nodeType="tmRoot"/>
-      </p:par>
-    </p:tnLst>
-  </p:timing>
 </p:sld>
 </file>
 
-<file path=ppt/slides/slide7.xml><?xml version="1.0" encoding="utf-8"?>
+<file path=ppt/slides/slide6.xml><?xml version="1.0" encoding="utf-8"?>
 <p:sld xmlns:a="http://schemas.openxmlformats.org/drawingml/2006/main" xmlns:r="http://schemas.openxmlformats.org/officeDocument/2006/relationships" xmlns:p="http://schemas.openxmlformats.org/presentationml/2006/main">
   <p:cSld>
     <p:spTree>
@@ -7276,14 +6747,13 @@
               <a:defRPr/>
             </a:pPr>
             <a:r>
-              <a:rPr lang="en-US" dirty="0" err="1" smtClean="0"/>
+              <a:rPr lang="en-US" dirty="0" err="1"/>
               <a:t>Murach's</a:t>
             </a:r>
             <a:r>
-              <a:rPr lang="en-US" dirty="0" smtClean="0"/>
+              <a:rPr lang="en-US" dirty="0"/>
               <a:t> Android Programming (2nd Ed.), C4</a:t>
             </a:r>
-            <a:endParaRPr lang="en-US" dirty="0"/>
           </a:p>
         </p:txBody>
       </p:sp>
@@ -7306,10 +6776,9 @@
               <a:defRPr/>
             </a:pPr>
             <a:r>
-              <a:rPr lang="en-US" smtClean="0"/>
+              <a:rPr lang="en-US"/>
               <a:t>© 2015, Mike Murach &amp; Associates, Inc.</a:t>
             </a:r>
-            <a:endParaRPr lang="en-US"/>
           </a:p>
         </p:txBody>
       </p:sp>
@@ -7331,14 +6800,14 @@
             <a:pPr>
               <a:defRPr/>
             </a:pPr>
-            <a:endParaRPr lang="en-US" smtClean="0"/>
+            <a:endParaRPr lang="en-US"/>
           </a:p>
           <a:p>
             <a:pPr algn="r">
               <a:defRPr/>
             </a:pPr>
             <a:r>
-              <a:rPr lang="en-US" sz="900" smtClean="0">
+              <a:rPr lang="en-US" sz="900">
                 <a:latin typeface="Arial Narrow" pitchFamily="34" charset="0"/>
               </a:rPr>
               <a:t>Slide </a:t>
@@ -7350,7 +6819,7 @@
               <a:pPr algn="r">
                 <a:defRPr/>
               </a:pPr>
-              <a:t>7</a:t>
+              <a:t>6</a:t>
             </a:fld>
             <a:endParaRPr lang="en-US" sz="900">
               <a:latin typeface="Arial Narrow" pitchFamily="34" charset="0"/>
@@ -7380,7 +6849,7 @@
           <a:graphicData uri="http://schemas.openxmlformats.org/presentationml/2006/ole">
             <mc:AlternateContent xmlns:mc="http://schemas.openxmlformats.org/markup-compatibility/2006">
               <mc:Choice xmlns:v="urn:schemas-microsoft-com:vml" Requires="v">
-                <p:oleObj spid="_x0000_s37891" name="Document" r:id="rId3" imgW="7301323" imgH="3686715" progId="Word.Document.12">
+                <p:oleObj spid="_x0000_s37893" name="Document" r:id="rId3" imgW="7301323" imgH="3686715" progId="Word.Document.12">
                   <p:embed/>
                 </p:oleObj>
               </mc:Choice>
@@ -7425,17 +6894,10 @@
   <p:clrMapOvr>
     <a:masterClrMapping/>
   </p:clrMapOvr>
-  <p:timing>
-    <p:tnLst>
-      <p:par>
-        <p:cTn xmlns:p14="http://schemas.microsoft.com/office/powerpoint/2010/main" id="1" dur="indefinite" restart="never" nodeType="tmRoot"/>
-      </p:par>
-    </p:tnLst>
-  </p:timing>
 </p:sld>
 </file>
 
-<file path=ppt/slides/slide8.xml><?xml version="1.0" encoding="utf-8"?>
+<file path=ppt/slides/slide7.xml><?xml version="1.0" encoding="utf-8"?>
 <p:sld xmlns:a="http://schemas.openxmlformats.org/drawingml/2006/main" xmlns:r="http://schemas.openxmlformats.org/officeDocument/2006/relationships" xmlns:p="http://schemas.openxmlformats.org/presentationml/2006/main">
   <p:cSld>
     <p:spTree>
@@ -7476,20 +6938,12 @@
               <a:rPr lang="en-US" dirty="0"/>
               <a:t>The error that’s displayed </a:t>
             </a:r>
-            <a:r>
-              <a:rPr lang="en-US" dirty="0" smtClean="0"/>
-              <a:t/>
-            </a:r>
             <a:br>
-              <a:rPr lang="en-US" dirty="0" smtClean="0"/>
+              <a:rPr lang="en-US" dirty="0"/>
             </a:br>
             <a:r>
-              <a:rPr lang="en-US" dirty="0" smtClean="0"/>
-              <a:t>when </a:t>
-            </a:r>
-            <a:r>
               <a:rPr lang="en-US" dirty="0"/>
-              <a:t>an app crashes</a:t>
+              <a:t>when an app crashes</a:t>
             </a:r>
           </a:p>
         </p:txBody>
@@ -7518,14 +6972,13 @@
               <a:defRPr/>
             </a:pPr>
             <a:r>
-              <a:rPr lang="en-US" dirty="0" err="1" smtClean="0"/>
+              <a:rPr lang="en-US" dirty="0" err="1"/>
               <a:t>Murach's</a:t>
             </a:r>
             <a:r>
-              <a:rPr lang="en-US" dirty="0" smtClean="0"/>
+              <a:rPr lang="en-US" dirty="0"/>
               <a:t> Android Programming (2nd Ed.), C4</a:t>
             </a:r>
-            <a:endParaRPr lang="en-US" dirty="0"/>
           </a:p>
         </p:txBody>
       </p:sp>
@@ -7548,10 +7001,9 @@
               <a:defRPr/>
             </a:pPr>
             <a:r>
-              <a:rPr lang="en-US" smtClean="0"/>
+              <a:rPr lang="en-US"/>
               <a:t>© 2015, Mike Murach &amp; Associates, Inc.</a:t>
             </a:r>
-            <a:endParaRPr lang="en-US"/>
           </a:p>
         </p:txBody>
       </p:sp>
@@ -7573,14 +7025,14 @@
             <a:pPr>
               <a:defRPr/>
             </a:pPr>
-            <a:endParaRPr lang="en-US" smtClean="0"/>
+            <a:endParaRPr lang="en-US"/>
           </a:p>
           <a:p>
             <a:pPr algn="r">
               <a:defRPr/>
             </a:pPr>
             <a:r>
-              <a:rPr lang="en-US" sz="900" smtClean="0">
+              <a:rPr lang="en-US" sz="900">
                 <a:latin typeface="Arial Narrow" pitchFamily="34" charset="0"/>
               </a:rPr>
               <a:t>Slide </a:t>
@@ -7592,7 +7044,7 @@
               <a:pPr algn="r">
                 <a:defRPr/>
               </a:pPr>
-              <a:t>8</a:t>
+              <a:t>7</a:t>
             </a:fld>
             <a:endParaRPr lang="en-US" sz="900">
               <a:latin typeface="Arial Narrow" pitchFamily="34" charset="0"/>
@@ -7645,17 +7097,10 @@
   <p:clrMapOvr>
     <a:masterClrMapping/>
   </p:clrMapOvr>
-  <p:timing>
-    <p:tnLst>
-      <p:par>
-        <p:cTn xmlns:p14="http://schemas.microsoft.com/office/powerpoint/2010/main" id="1" dur="indefinite" restart="never" nodeType="tmRoot"/>
-      </p:par>
-    </p:tnLst>
-  </p:timing>
 </p:sld>
 </file>
 
-<file path=ppt/slides/slide9.xml><?xml version="1.0" encoding="utf-8"?>
+<file path=ppt/slides/slide8.xml><?xml version="1.0" encoding="utf-8"?>
 <p:sld xmlns:a="http://schemas.openxmlformats.org/drawingml/2006/main" xmlns:r="http://schemas.openxmlformats.org/officeDocument/2006/relationships" xmlns:p="http://schemas.openxmlformats.org/presentationml/2006/main">
   <p:cSld>
     <p:bg>
@@ -7714,10 +7159,9 @@
           <a:lstStyle/>
           <a:p>
             <a:r>
-              <a:rPr lang="en-US" dirty="0" smtClean="0"/>
+              <a:rPr lang="en-US" dirty="0"/>
               <a:t>Debugging</a:t>
             </a:r>
-            <a:endParaRPr lang="en-US" dirty="0"/>
           </a:p>
         </p:txBody>
       </p:sp>
@@ -7743,14 +7187,14 @@
           </a:ln>
           <a:extLst>
             <a:ext uri="{909E8E84-426E-40dd-AFC4-6F175D3DCCD1}">
-              <a14:hiddenFill xmlns:a14="http://schemas.microsoft.com/office/drawing/2010/main">
+              <a14:hiddenFill xmlns:a14="http://schemas.microsoft.com/office/drawing/2010/main" xmlns="">
                 <a:solidFill>
                   <a:srgbClr val="FFFFFF"/>
                 </a:solidFill>
               </a14:hiddenFill>
             </a:ext>
             <a:ext uri="{91240B29-F687-4f45-9708-019B960494DF}">
-              <a14:hiddenLine xmlns:a14="http://schemas.microsoft.com/office/drawing/2010/main" w="9525">
+              <a14:hiddenLine xmlns:a14="http://schemas.microsoft.com/office/drawing/2010/main" xmlns="" w="9525">
                 <a:solidFill>
                   <a:srgbClr val="000000"/>
                 </a:solidFill>
@@ -7900,7 +7344,7 @@
           </a:lstStyle>
           <a:p>
             <a:r>
-              <a:rPr lang="en-US" sz="2000" dirty="0" smtClean="0">
+              <a:rPr lang="en-US" sz="2000" dirty="0">
                 <a:solidFill>
                   <a:schemeClr val="tx1"/>
                 </a:solidFill>
@@ -7914,7 +7358,7 @@
               <a:buChar char="•"/>
             </a:pPr>
             <a:r>
-              <a:rPr lang="en-US" sz="2000" dirty="0" smtClean="0">
+              <a:rPr lang="en-US" sz="2000" dirty="0">
                 <a:solidFill>
                   <a:schemeClr val="tx1"/>
                 </a:solidFill>
@@ -7928,7 +7372,7 @@
               <a:buChar char="•"/>
             </a:pPr>
             <a:r>
-              <a:rPr lang="en-US" sz="2000" dirty="0" smtClean="0">
+              <a:rPr lang="en-US" sz="2000" dirty="0">
                 <a:solidFill>
                   <a:schemeClr val="tx1"/>
                 </a:solidFill>
@@ -7942,7 +7386,7 @@
               <a:buChar char="•"/>
             </a:pPr>
             <a:r>
-              <a:rPr lang="en-US" sz="2000" dirty="0" smtClean="0">
+              <a:rPr lang="en-US" sz="2000" dirty="0">
                 <a:solidFill>
                   <a:schemeClr val="tx1"/>
                 </a:solidFill>
@@ -7956,7 +7400,7 @@
               <a:buChar char="•"/>
             </a:pPr>
             <a:r>
-              <a:rPr lang="en-US" sz="2000" dirty="0" smtClean="0">
+              <a:rPr lang="en-US" sz="2000" dirty="0">
                 <a:solidFill>
                   <a:schemeClr val="tx1"/>
                 </a:solidFill>
@@ -7987,13 +7431,210 @@
   <p:clrMapOvr>
     <a:masterClrMapping/>
   </p:clrMapOvr>
-  <p:timing>
-    <p:tnLst>
-      <p:par>
-        <p:cTn xmlns:p14="http://schemas.microsoft.com/office/powerpoint/2010/main" id="1" dur="indefinite" restart="never" nodeType="tmRoot"/>
-      </p:par>
-    </p:tnLst>
-  </p:timing>
+</p:sld>
+</file>
+
+<file path=ppt/slides/slide9.xml><?xml version="1.0" encoding="utf-8"?>
+<p:sld xmlns:a="http://schemas.openxmlformats.org/drawingml/2006/main" xmlns:r="http://schemas.openxmlformats.org/officeDocument/2006/relationships" xmlns:p="http://schemas.openxmlformats.org/presentationml/2006/main">
+  <p:cSld>
+    <p:spTree>
+      <p:nvGrpSpPr>
+        <p:cNvPr id="1" name=""/>
+        <p:cNvGrpSpPr/>
+        <p:nvPr/>
+      </p:nvGrpSpPr>
+      <p:grpSpPr>
+        <a:xfrm>
+          <a:off x="0" y="0"/>
+          <a:ext cx="0" cy="0"/>
+          <a:chOff x="0" y="0"/>
+          <a:chExt cx="0" cy="0"/>
+        </a:xfrm>
+      </p:grpSpPr>
+      <p:sp>
+        <p:nvSpPr>
+          <p:cNvPr id="2" name="Title 1"/>
+          <p:cNvSpPr>
+            <a:spLocks noGrp="1"/>
+          </p:cNvSpPr>
+          <p:nvPr>
+            <p:ph type="title"/>
+          </p:nvPr>
+        </p:nvSpPr>
+        <p:spPr>
+          <a:xfrm>
+            <a:off x="914400" y="685800"/>
+            <a:ext cx="7315200" cy="400110"/>
+          </a:xfrm>
+        </p:spPr>
+        <p:txBody>
+          <a:bodyPr/>
+          <a:lstStyle/>
+          <a:p>
+            <a:r>
+              <a:rPr lang="en-US" dirty="0"/>
+              <a:t>The </a:t>
+            </a:r>
+            <a:r>
+              <a:rPr lang="en-US" dirty="0" err="1"/>
+              <a:t>LogCat</a:t>
+            </a:r>
+            <a:r>
+              <a:rPr lang="en-US" dirty="0"/>
+              <a:t> view after a crash</a:t>
+            </a:r>
+          </a:p>
+        </p:txBody>
+      </p:sp>
+      <p:sp>
+        <p:nvSpPr>
+          <p:cNvPr id="3" name="Date Placeholder 2"/>
+          <p:cNvSpPr>
+            <a:spLocks noGrp="1"/>
+          </p:cNvSpPr>
+          <p:nvPr>
+            <p:ph type="dt" sz="half" idx="10"/>
+          </p:nvPr>
+        </p:nvSpPr>
+        <p:spPr>
+          <a:xfrm>
+            <a:off x="762000" y="6248400"/>
+            <a:ext cx="2362200" cy="457200"/>
+          </a:xfrm>
+        </p:spPr>
+        <p:txBody>
+          <a:bodyPr/>
+          <a:lstStyle/>
+          <a:p>
+            <a:pPr>
+              <a:defRPr/>
+            </a:pPr>
+            <a:r>
+              <a:rPr lang="en-US" dirty="0" err="1"/>
+              <a:t>Murach's</a:t>
+            </a:r>
+            <a:r>
+              <a:rPr lang="en-US" dirty="0"/>
+              <a:t> Android Programming (2nd Ed.), C4</a:t>
+            </a:r>
+          </a:p>
+        </p:txBody>
+      </p:sp>
+      <p:sp>
+        <p:nvSpPr>
+          <p:cNvPr id="4" name="Footer Placeholder 3"/>
+          <p:cNvSpPr>
+            <a:spLocks noGrp="1"/>
+          </p:cNvSpPr>
+          <p:nvPr>
+            <p:ph type="ftr" sz="quarter" idx="11"/>
+          </p:nvPr>
+        </p:nvSpPr>
+        <p:spPr/>
+        <p:txBody>
+          <a:bodyPr/>
+          <a:lstStyle/>
+          <a:p>
+            <a:pPr>
+              <a:defRPr/>
+            </a:pPr>
+            <a:r>
+              <a:rPr lang="en-US"/>
+              <a:t>© 2015, Mike Murach &amp; Associates, Inc.</a:t>
+            </a:r>
+          </a:p>
+        </p:txBody>
+      </p:sp>
+      <p:sp>
+        <p:nvSpPr>
+          <p:cNvPr id="5" name="Slide Number Placeholder 4"/>
+          <p:cNvSpPr>
+            <a:spLocks noGrp="1"/>
+          </p:cNvSpPr>
+          <p:nvPr>
+            <p:ph type="sldNum" sz="quarter" idx="12"/>
+          </p:nvPr>
+        </p:nvSpPr>
+        <p:spPr/>
+        <p:txBody>
+          <a:bodyPr/>
+          <a:lstStyle/>
+          <a:p>
+            <a:pPr>
+              <a:defRPr/>
+            </a:pPr>
+            <a:endParaRPr lang="en-US"/>
+          </a:p>
+          <a:p>
+            <a:pPr algn="r">
+              <a:defRPr/>
+            </a:pPr>
+            <a:r>
+              <a:rPr lang="en-US" sz="900">
+                <a:latin typeface="Arial Narrow" pitchFamily="34" charset="0"/>
+              </a:rPr>
+              <a:t>Slide </a:t>
+            </a:r>
+            <a:fld id="{5ECE9829-65B2-40C6-AEFF-7C648FF56A9C}" type="slidenum">
+              <a:rPr lang="en-US" sz="900" smtClean="0">
+                <a:latin typeface="Arial Narrow" pitchFamily="34" charset="0"/>
+              </a:rPr>
+              <a:pPr algn="r">
+                <a:defRPr/>
+              </a:pPr>
+              <a:t>9</a:t>
+            </a:fld>
+            <a:endParaRPr lang="en-US" sz="900">
+              <a:latin typeface="Arial Narrow" pitchFamily="34" charset="0"/>
+            </a:endParaRPr>
+          </a:p>
+        </p:txBody>
+      </p:sp>
+      <p:pic>
+        <p:nvPicPr>
+          <p:cNvPr id="6" name="Picture 5"/>
+          <p:cNvPicPr/>
+          <p:nvPr/>
+        </p:nvPicPr>
+        <p:blipFill>
+          <a:blip r:embed="rId2">
+            <a:extLst>
+              <a:ext uri="{28A0092B-C50C-407E-A947-70E740481C1C}">
+                <a14:useLocalDpi xmlns:a14="http://schemas.microsoft.com/office/drawing/2010/main" val="0"/>
+              </a:ext>
+            </a:extLst>
+          </a:blip>
+          <a:stretch>
+            <a:fillRect/>
+          </a:stretch>
+        </p:blipFill>
+        <p:spPr>
+          <a:xfrm>
+            <a:off x="914400" y="1143000"/>
+            <a:ext cx="7315200" cy="4866978"/>
+          </a:xfrm>
+          <a:prstGeom prst="rect">
+            <a:avLst/>
+          </a:prstGeom>
+          <a:effectLst>
+            <a:outerShdw blurRad="50800" dist="38100" dir="2700000" algn="tl" rotWithShape="0">
+              <a:prstClr val="black">
+                <a:alpha val="40000"/>
+              </a:prstClr>
+            </a:outerShdw>
+          </a:effectLst>
+        </p:spPr>
+      </p:pic>
+    </p:spTree>
+    <p:extLst>
+      <p:ext uri="{BB962C8B-B14F-4D97-AF65-F5344CB8AC3E}">
+        <p14:creationId xmlns:p14="http://schemas.microsoft.com/office/powerpoint/2010/main" val="1584497653"/>
+      </p:ext>
+    </p:extLst>
+  </p:cSld>
+  <p:clrMapOvr>
+    <a:masterClrMapping/>
+  </p:clrMapOvr>
 </p:sld>
 </file>
 
